--- a/CSE281/Lecture 2.pptx
+++ b/CSE281/Lecture 2.pptx
@@ -7,15 +7,20 @@
   <p:sldIdLst>
     <p:sldId id="256" r:id="rId2"/>
     <p:sldId id="258" r:id="rId3"/>
-    <p:sldId id="259" r:id="rId4"/>
-    <p:sldId id="260" r:id="rId5"/>
-    <p:sldId id="261" r:id="rId6"/>
-    <p:sldId id="262" r:id="rId7"/>
-    <p:sldId id="264" r:id="rId8"/>
-    <p:sldId id="268" r:id="rId9"/>
-    <p:sldId id="266" r:id="rId10"/>
-    <p:sldId id="269" r:id="rId11"/>
-    <p:sldId id="265" r:id="rId12"/>
+    <p:sldId id="260" r:id="rId4"/>
+    <p:sldId id="272" r:id="rId5"/>
+    <p:sldId id="273" r:id="rId6"/>
+    <p:sldId id="259" r:id="rId7"/>
+    <p:sldId id="261" r:id="rId8"/>
+    <p:sldId id="270" r:id="rId9"/>
+    <p:sldId id="271" r:id="rId10"/>
+    <p:sldId id="274" r:id="rId11"/>
+    <p:sldId id="262" r:id="rId12"/>
+    <p:sldId id="264" r:id="rId13"/>
+    <p:sldId id="268" r:id="rId14"/>
+    <p:sldId id="266" r:id="rId15"/>
+    <p:sldId id="269" r:id="rId16"/>
+    <p:sldId id="265" r:id="rId17"/>
   </p:sldIdLst>
   <p:sldSz cx="12192000" cy="6858000"/>
   <p:notesSz cx="6858000" cy="9144000"/>
@@ -196,7 +201,7 @@
           </a:lstStyle>
           <a:p>
             <a:r>
-              <a:rPr lang="en-US" smtClean="0"/>
+              <a:rPr lang="en-US"/>
               <a:t>Click to edit Master title style</a:t>
             </a:r>
             <a:endParaRPr lang="en-US" dirty="0"/>
@@ -263,7 +268,7 @@
           </a:lstStyle>
           <a:p>
             <a:r>
-              <a:rPr lang="en-US" smtClean="0"/>
+              <a:rPr lang="en-US"/>
               <a:t>Click to edit Master subtitle style</a:t>
             </a:r>
             <a:endParaRPr lang="en-US" dirty="0"/>
@@ -292,7 +297,7 @@
           <a:p>
             <a:fld id="{48A87A34-81AB-432B-8DAE-1953F412C126}" type="datetimeFigureOut">
               <a:rPr lang="en-US" dirty="0"/>
-              <a:t>7/13/2025</a:t>
+              <a:t>2/17/2026</a:t>
             </a:fld>
             <a:endParaRPr lang="en-US" dirty="0"/>
           </a:p>
@@ -400,7 +405,7 @@
           </a:lstStyle>
           <a:p>
             <a:r>
-              <a:rPr lang="en-US" smtClean="0"/>
+              <a:rPr lang="en-US"/>
               <a:t>Click to edit Master title style</a:t>
             </a:r>
             <a:endParaRPr lang="en-US" dirty="0"/>
@@ -465,7 +470,7 @@
           </a:lstStyle>
           <a:p>
             <a:r>
-              <a:rPr lang="en-US" smtClean="0"/>
+              <a:rPr lang="en-US"/>
               <a:t>Click icon to add picture</a:t>
             </a:r>
             <a:endParaRPr lang="en-US" dirty="0"/>
@@ -531,7 +536,7 @@
           <a:p>
             <a:pPr lvl="0"/>
             <a:r>
-              <a:rPr lang="en-US" smtClean="0"/>
+              <a:rPr lang="en-US"/>
               <a:t>Edit Master text styles</a:t>
             </a:r>
           </a:p>
@@ -554,7 +559,7 @@
           <a:p>
             <a:fld id="{48A87A34-81AB-432B-8DAE-1953F412C126}" type="datetimeFigureOut">
               <a:rPr lang="en-US" dirty="0"/>
-              <a:t>7/13/2025</a:t>
+              <a:t>2/17/2026</a:t>
             </a:fld>
             <a:endParaRPr lang="en-US" dirty="0"/>
           </a:p>
@@ -682,7 +687,7 @@
           </a:lstStyle>
           <a:p>
             <a:r>
-              <a:rPr lang="en-US" smtClean="0"/>
+              <a:rPr lang="en-US"/>
               <a:t>Click to edit Master title style</a:t>
             </a:r>
             <a:endParaRPr lang="en-US" dirty="0"/>
@@ -748,7 +753,7 @@
           <a:p>
             <a:pPr lvl="0"/>
             <a:r>
-              <a:rPr lang="en-US" smtClean="0"/>
+              <a:rPr lang="en-US"/>
               <a:t>Edit Master text styles</a:t>
             </a:r>
           </a:p>
@@ -781,7 +786,7 @@
             <a:fld id="{48A87A34-81AB-432B-8DAE-1953F412C126}" type="datetimeFigureOut">
               <a:rPr lang="en-US" dirty="0"/>
               <a:pPr/>
-              <a:t>7/13/2025</a:t>
+              <a:t>2/17/2026</a:t>
             </a:fld>
             <a:endParaRPr lang="en-US" dirty="0"/>
           </a:p>
@@ -919,7 +924,7 @@
           </a:lstStyle>
           <a:p>
             <a:r>
-              <a:rPr lang="en-US" smtClean="0"/>
+              <a:rPr lang="en-US"/>
               <a:t>Click to edit Master title style</a:t>
             </a:r>
             <a:endParaRPr lang="en-US" dirty="0"/>
@@ -987,7 +992,7 @@
           <a:p>
             <a:pPr lvl="0"/>
             <a:r>
-              <a:rPr lang="en-US" smtClean="0"/>
+              <a:rPr lang="en-US"/>
               <a:t>Edit Master text styles</a:t>
             </a:r>
           </a:p>
@@ -1054,7 +1059,7 @@
           <a:p>
             <a:pPr lvl="0"/>
             <a:r>
-              <a:rPr lang="en-US" smtClean="0"/>
+              <a:rPr lang="en-US"/>
               <a:t>Edit Master text styles</a:t>
             </a:r>
           </a:p>
@@ -1087,7 +1092,7 @@
             <a:fld id="{48A87A34-81AB-432B-8DAE-1953F412C126}" type="datetimeFigureOut">
               <a:rPr lang="en-US" dirty="0"/>
               <a:pPr/>
-              <a:t>7/13/2025</a:t>
+              <a:t>2/17/2026</a:t>
             </a:fld>
             <a:endParaRPr lang="en-US" dirty="0"/>
           </a:p>
@@ -1457,7 +1462,7 @@
           </a:lstStyle>
           <a:p>
             <a:r>
-              <a:rPr lang="en-US" smtClean="0"/>
+              <a:rPr lang="en-US"/>
               <a:t>Click to edit Master title style</a:t>
             </a:r>
             <a:endParaRPr lang="en-US" dirty="0"/>
@@ -1523,7 +1528,7 @@
           <a:p>
             <a:pPr lvl="0"/>
             <a:r>
-              <a:rPr lang="en-US" smtClean="0"/>
+              <a:rPr lang="en-US"/>
               <a:t>Edit Master text styles</a:t>
             </a:r>
           </a:p>
@@ -1556,7 +1561,7 @@
             <a:fld id="{48A87A34-81AB-432B-8DAE-1953F412C126}" type="datetimeFigureOut">
               <a:rPr lang="en-US" dirty="0"/>
               <a:pPr/>
-              <a:t>7/13/2025</a:t>
+              <a:t>2/17/2026</a:t>
             </a:fld>
             <a:endParaRPr lang="en-US" dirty="0"/>
           </a:p>
@@ -1660,7 +1665,7 @@
           <a:lstStyle/>
           <a:p>
             <a:r>
-              <a:rPr lang="en-US" smtClean="0"/>
+              <a:rPr lang="en-US"/>
               <a:t>Click to edit Master title style</a:t>
             </a:r>
             <a:endParaRPr lang="en-US" dirty="0"/>
@@ -1732,7 +1737,7 @@
           <a:p>
             <a:pPr lvl="0"/>
             <a:r>
-              <a:rPr lang="en-US" smtClean="0"/>
+              <a:rPr lang="en-US"/>
               <a:t>Edit Master text styles</a:t>
             </a:r>
           </a:p>
@@ -1799,7 +1804,7 @@
           <a:p>
             <a:pPr lvl="0"/>
             <a:r>
-              <a:rPr lang="en-US" smtClean="0"/>
+              <a:rPr lang="en-US"/>
               <a:t>Edit Master text styles</a:t>
             </a:r>
           </a:p>
@@ -1870,7 +1875,7 @@
           <a:p>
             <a:pPr lvl="0"/>
             <a:r>
-              <a:rPr lang="en-US" smtClean="0"/>
+              <a:rPr lang="en-US"/>
               <a:t>Edit Master text styles</a:t>
             </a:r>
           </a:p>
@@ -1937,7 +1942,7 @@
           <a:p>
             <a:pPr lvl="0"/>
             <a:r>
-              <a:rPr lang="en-US" smtClean="0"/>
+              <a:rPr lang="en-US"/>
               <a:t>Edit Master text styles</a:t>
             </a:r>
           </a:p>
@@ -2008,7 +2013,7 @@
           <a:p>
             <a:pPr lvl="0"/>
             <a:r>
-              <a:rPr lang="en-US" smtClean="0"/>
+              <a:rPr lang="en-US"/>
               <a:t>Edit Master text styles</a:t>
             </a:r>
           </a:p>
@@ -2075,7 +2080,7 @@
           <a:p>
             <a:pPr lvl="0"/>
             <a:r>
-              <a:rPr lang="en-US" smtClean="0"/>
+              <a:rPr lang="en-US"/>
               <a:t>Edit Master text styles</a:t>
             </a:r>
           </a:p>
@@ -2098,7 +2103,7 @@
           <a:p>
             <a:fld id="{48A87A34-81AB-432B-8DAE-1953F412C126}" type="datetimeFigureOut">
               <a:rPr lang="en-US" dirty="0"/>
-              <a:t>7/13/2025</a:t>
+              <a:t>2/17/2026</a:t>
             </a:fld>
             <a:endParaRPr lang="en-US" dirty="0"/>
           </a:p>
@@ -2192,7 +2197,7 @@
           <a:lstStyle/>
           <a:p>
             <a:r>
-              <a:rPr lang="en-US" smtClean="0"/>
+              <a:rPr lang="en-US"/>
               <a:t>Click to edit Master title style</a:t>
             </a:r>
             <a:endParaRPr lang="en-US" dirty="0"/>
@@ -2264,7 +2269,7 @@
           <a:p>
             <a:pPr lvl="0"/>
             <a:r>
-              <a:rPr lang="en-US" smtClean="0"/>
+              <a:rPr lang="en-US"/>
               <a:t>Edit Master text styles</a:t>
             </a:r>
           </a:p>
@@ -2342,7 +2347,7 @@
           </a:lstStyle>
           <a:p>
             <a:r>
-              <a:rPr lang="en-US" smtClean="0"/>
+              <a:rPr lang="en-US"/>
               <a:t>Click icon to add picture</a:t>
             </a:r>
             <a:endParaRPr lang="en-US" dirty="0"/>
@@ -2410,7 +2415,7 @@
           <a:p>
             <a:pPr lvl="0"/>
             <a:r>
-              <a:rPr lang="en-US" smtClean="0"/>
+              <a:rPr lang="en-US"/>
               <a:t>Edit Master text styles</a:t>
             </a:r>
           </a:p>
@@ -2481,7 +2486,7 @@
           <a:p>
             <a:pPr lvl="0"/>
             <a:r>
-              <a:rPr lang="en-US" smtClean="0"/>
+              <a:rPr lang="en-US"/>
               <a:t>Edit Master text styles</a:t>
             </a:r>
           </a:p>
@@ -2559,7 +2564,7 @@
           </a:lstStyle>
           <a:p>
             <a:r>
-              <a:rPr lang="en-US" smtClean="0"/>
+              <a:rPr lang="en-US"/>
               <a:t>Click icon to add picture</a:t>
             </a:r>
             <a:endParaRPr lang="en-US" dirty="0"/>
@@ -2627,7 +2632,7 @@
           <a:p>
             <a:pPr lvl="0"/>
             <a:r>
-              <a:rPr lang="en-US" smtClean="0"/>
+              <a:rPr lang="en-US"/>
               <a:t>Edit Master text styles</a:t>
             </a:r>
           </a:p>
@@ -2698,7 +2703,7 @@
           <a:p>
             <a:pPr lvl="0"/>
             <a:r>
-              <a:rPr lang="en-US" smtClean="0"/>
+              <a:rPr lang="en-US"/>
               <a:t>Edit Master text styles</a:t>
             </a:r>
           </a:p>
@@ -2776,7 +2781,7 @@
           </a:lstStyle>
           <a:p>
             <a:r>
-              <a:rPr lang="en-US" smtClean="0"/>
+              <a:rPr lang="en-US"/>
               <a:t>Click icon to add picture</a:t>
             </a:r>
             <a:endParaRPr lang="en-US" dirty="0"/>
@@ -2844,7 +2849,7 @@
           <a:p>
             <a:pPr lvl="0"/>
             <a:r>
-              <a:rPr lang="en-US" smtClean="0"/>
+              <a:rPr lang="en-US"/>
               <a:t>Edit Master text styles</a:t>
             </a:r>
           </a:p>
@@ -2867,7 +2872,7 @@
           <a:p>
             <a:fld id="{48A87A34-81AB-432B-8DAE-1953F412C126}" type="datetimeFigureOut">
               <a:rPr lang="en-US" dirty="0"/>
-              <a:t>7/13/2025</a:t>
+              <a:t>2/17/2026</a:t>
             </a:fld>
             <a:endParaRPr lang="en-US" dirty="0"/>
           </a:p>
@@ -2956,7 +2961,7 @@
           <a:lstStyle/>
           <a:p>
             <a:r>
-              <a:rPr lang="en-US" smtClean="0"/>
+              <a:rPr lang="en-US"/>
               <a:t>Click to edit Master title style</a:t>
             </a:r>
             <a:endParaRPr lang="en-US" dirty="0"/>
@@ -2985,35 +2990,35 @@
           <a:p>
             <a:pPr lvl="0"/>
             <a:r>
-              <a:rPr lang="en-US" smtClean="0"/>
+              <a:rPr lang="en-US"/>
               <a:t>Edit Master text styles</a:t>
             </a:r>
           </a:p>
           <a:p>
             <a:pPr lvl="1"/>
             <a:r>
-              <a:rPr lang="en-US" smtClean="0"/>
+              <a:rPr lang="en-US"/>
               <a:t>Second level</a:t>
             </a:r>
           </a:p>
           <a:p>
             <a:pPr lvl="2"/>
             <a:r>
-              <a:rPr lang="en-US" smtClean="0"/>
+              <a:rPr lang="en-US"/>
               <a:t>Third level</a:t>
             </a:r>
           </a:p>
           <a:p>
             <a:pPr lvl="3"/>
             <a:r>
-              <a:rPr lang="en-US" smtClean="0"/>
+              <a:rPr lang="en-US"/>
               <a:t>Fourth level</a:t>
             </a:r>
           </a:p>
           <a:p>
             <a:pPr lvl="4"/>
             <a:r>
-              <a:rPr lang="en-US" smtClean="0"/>
+              <a:rPr lang="en-US"/>
               <a:t>Fifth level</a:t>
             </a:r>
             <a:endParaRPr lang="en-US" dirty="0"/>
@@ -3037,7 +3042,7 @@
           <a:p>
             <a:fld id="{48A87A34-81AB-432B-8DAE-1953F412C126}" type="datetimeFigureOut">
               <a:rPr lang="en-US" dirty="0"/>
-              <a:t>7/13/2025</a:t>
+              <a:t>2/17/2026</a:t>
             </a:fld>
             <a:endParaRPr lang="en-US" dirty="0"/>
           </a:p>
@@ -3165,7 +3170,7 @@
           </a:lstStyle>
           <a:p>
             <a:r>
-              <a:rPr lang="en-US" smtClean="0"/>
+              <a:rPr lang="en-US"/>
               <a:t>Click to edit Master title style</a:t>
             </a:r>
             <a:endParaRPr lang="en-US" dirty="0"/>
@@ -3194,35 +3199,35 @@
           <a:p>
             <a:pPr lvl="0"/>
             <a:r>
-              <a:rPr lang="en-US" smtClean="0"/>
+              <a:rPr lang="en-US"/>
               <a:t>Edit Master text styles</a:t>
             </a:r>
           </a:p>
           <a:p>
             <a:pPr lvl="1"/>
             <a:r>
-              <a:rPr lang="en-US" smtClean="0"/>
+              <a:rPr lang="en-US"/>
               <a:t>Second level</a:t>
             </a:r>
           </a:p>
           <a:p>
             <a:pPr lvl="2"/>
             <a:r>
-              <a:rPr lang="en-US" smtClean="0"/>
+              <a:rPr lang="en-US"/>
               <a:t>Third level</a:t>
             </a:r>
           </a:p>
           <a:p>
             <a:pPr lvl="3"/>
             <a:r>
-              <a:rPr lang="en-US" smtClean="0"/>
+              <a:rPr lang="en-US"/>
               <a:t>Fourth level</a:t>
             </a:r>
           </a:p>
           <a:p>
             <a:pPr lvl="4"/>
             <a:r>
-              <a:rPr lang="en-US" smtClean="0"/>
+              <a:rPr lang="en-US"/>
               <a:t>Fifth level</a:t>
             </a:r>
             <a:endParaRPr lang="en-US" dirty="0"/>
@@ -3256,7 +3261,7 @@
             <a:fld id="{48A87A34-81AB-432B-8DAE-1953F412C126}" type="datetimeFigureOut">
               <a:rPr lang="en-US" dirty="0"/>
               <a:pPr/>
-              <a:t>7/13/2025</a:t>
+              <a:t>2/17/2026</a:t>
             </a:fld>
             <a:endParaRPr lang="en-US" dirty="0"/>
           </a:p>
@@ -3355,7 +3360,7 @@
           <a:lstStyle/>
           <a:p>
             <a:r>
-              <a:rPr lang="en-US" smtClean="0"/>
+              <a:rPr lang="en-US"/>
               <a:t>Click to edit Master title style</a:t>
             </a:r>
             <a:endParaRPr lang="en-US" dirty="0"/>
@@ -3379,35 +3384,35 @@
           <a:p>
             <a:pPr lvl="0"/>
             <a:r>
-              <a:rPr lang="en-US" smtClean="0"/>
+              <a:rPr lang="en-US"/>
               <a:t>Edit Master text styles</a:t>
             </a:r>
           </a:p>
           <a:p>
             <a:pPr lvl="1"/>
             <a:r>
-              <a:rPr lang="en-US" smtClean="0"/>
+              <a:rPr lang="en-US"/>
               <a:t>Second level</a:t>
             </a:r>
           </a:p>
           <a:p>
             <a:pPr lvl="2"/>
             <a:r>
-              <a:rPr lang="en-US" smtClean="0"/>
+              <a:rPr lang="en-US"/>
               <a:t>Third level</a:t>
             </a:r>
           </a:p>
           <a:p>
             <a:pPr lvl="3"/>
             <a:r>
-              <a:rPr lang="en-US" smtClean="0"/>
+              <a:rPr lang="en-US"/>
               <a:t>Fourth level</a:t>
             </a:r>
           </a:p>
           <a:p>
             <a:pPr lvl="4"/>
             <a:r>
-              <a:rPr lang="en-US" smtClean="0"/>
+              <a:rPr lang="en-US"/>
               <a:t>Fifth level</a:t>
             </a:r>
             <a:endParaRPr lang="en-US" dirty="0"/>
@@ -3431,7 +3436,7 @@
           <a:p>
             <a:fld id="{48A87A34-81AB-432B-8DAE-1953F412C126}" type="datetimeFigureOut">
               <a:rPr lang="en-US" dirty="0"/>
-              <a:t>7/13/2025</a:t>
+              <a:t>2/17/2026</a:t>
             </a:fld>
             <a:endParaRPr lang="en-US" dirty="0"/>
           </a:p>
@@ -3561,7 +3566,7 @@
           </a:lstStyle>
           <a:p>
             <a:r>
-              <a:rPr lang="en-US" smtClean="0"/>
+              <a:rPr lang="en-US"/>
               <a:t>Click to edit Master title style</a:t>
             </a:r>
             <a:endParaRPr lang="en-US" dirty="0"/>
@@ -3683,7 +3688,7 @@
           <a:p>
             <a:pPr lvl="0"/>
             <a:r>
-              <a:rPr lang="en-US" smtClean="0"/>
+              <a:rPr lang="en-US"/>
               <a:t>Edit Master text styles</a:t>
             </a:r>
           </a:p>
@@ -3716,7 +3721,7 @@
             <a:fld id="{48A87A34-81AB-432B-8DAE-1953F412C126}" type="datetimeFigureOut">
               <a:rPr lang="en-US" dirty="0"/>
               <a:pPr/>
-              <a:t>7/13/2025</a:t>
+              <a:t>2/17/2026</a:t>
             </a:fld>
             <a:endParaRPr lang="en-US" dirty="0"/>
           </a:p>
@@ -3815,7 +3820,7 @@
           <a:lstStyle/>
           <a:p>
             <a:r>
-              <a:rPr lang="en-US" smtClean="0"/>
+              <a:rPr lang="en-US"/>
               <a:t>Click to edit Master title style</a:t>
             </a:r>
             <a:endParaRPr lang="en-US" dirty="0"/>
@@ -3844,35 +3849,35 @@
           <a:p>
             <a:pPr lvl="0"/>
             <a:r>
-              <a:rPr lang="en-US" smtClean="0"/>
+              <a:rPr lang="en-US"/>
               <a:t>Edit Master text styles</a:t>
             </a:r>
           </a:p>
           <a:p>
             <a:pPr lvl="1"/>
             <a:r>
-              <a:rPr lang="en-US" smtClean="0"/>
+              <a:rPr lang="en-US"/>
               <a:t>Second level</a:t>
             </a:r>
           </a:p>
           <a:p>
             <a:pPr lvl="2"/>
             <a:r>
-              <a:rPr lang="en-US" smtClean="0"/>
+              <a:rPr lang="en-US"/>
               <a:t>Third level</a:t>
             </a:r>
           </a:p>
           <a:p>
             <a:pPr lvl="3"/>
             <a:r>
-              <a:rPr lang="en-US" smtClean="0"/>
+              <a:rPr lang="en-US"/>
               <a:t>Fourth level</a:t>
             </a:r>
           </a:p>
           <a:p>
             <a:pPr lvl="4"/>
             <a:r>
-              <a:rPr lang="en-US" smtClean="0"/>
+              <a:rPr lang="en-US"/>
               <a:t>Fifth level</a:t>
             </a:r>
             <a:endParaRPr lang="en-US" dirty="0"/>
@@ -3901,35 +3906,35 @@
           <a:p>
             <a:pPr lvl="0"/>
             <a:r>
-              <a:rPr lang="en-US" smtClean="0"/>
+              <a:rPr lang="en-US"/>
               <a:t>Edit Master text styles</a:t>
             </a:r>
           </a:p>
           <a:p>
             <a:pPr lvl="1"/>
             <a:r>
-              <a:rPr lang="en-US" smtClean="0"/>
+              <a:rPr lang="en-US"/>
               <a:t>Second level</a:t>
             </a:r>
           </a:p>
           <a:p>
             <a:pPr lvl="2"/>
             <a:r>
-              <a:rPr lang="en-US" smtClean="0"/>
+              <a:rPr lang="en-US"/>
               <a:t>Third level</a:t>
             </a:r>
           </a:p>
           <a:p>
             <a:pPr lvl="3"/>
             <a:r>
-              <a:rPr lang="en-US" smtClean="0"/>
+              <a:rPr lang="en-US"/>
               <a:t>Fourth level</a:t>
             </a:r>
           </a:p>
           <a:p>
             <a:pPr lvl="4"/>
             <a:r>
-              <a:rPr lang="en-US" smtClean="0"/>
+              <a:rPr lang="en-US"/>
               <a:t>Fifth level</a:t>
             </a:r>
             <a:endParaRPr lang="en-US" dirty="0"/>
@@ -3953,7 +3958,7 @@
           <a:p>
             <a:fld id="{48A87A34-81AB-432B-8DAE-1953F412C126}" type="datetimeFigureOut">
               <a:rPr lang="en-US" dirty="0"/>
-              <a:t>7/13/2025</a:t>
+              <a:t>2/17/2026</a:t>
             </a:fld>
             <a:endParaRPr lang="en-US" dirty="0"/>
           </a:p>
@@ -4047,7 +4052,7 @@
           <a:lstStyle/>
           <a:p>
             <a:r>
-              <a:rPr lang="en-US" smtClean="0"/>
+              <a:rPr lang="en-US"/>
               <a:t>Click to edit Master title style</a:t>
             </a:r>
             <a:endParaRPr lang="en-US" dirty="0"/>
@@ -4119,7 +4124,7 @@
           <a:p>
             <a:pPr lvl="0"/>
             <a:r>
-              <a:rPr lang="en-US" smtClean="0"/>
+              <a:rPr lang="en-US"/>
               <a:t>Edit Master text styles</a:t>
             </a:r>
           </a:p>
@@ -4147,35 +4152,35 @@
           <a:p>
             <a:pPr lvl="0"/>
             <a:r>
-              <a:rPr lang="en-US" smtClean="0"/>
+              <a:rPr lang="en-US"/>
               <a:t>Edit Master text styles</a:t>
             </a:r>
           </a:p>
           <a:p>
             <a:pPr lvl="1"/>
             <a:r>
-              <a:rPr lang="en-US" smtClean="0"/>
+              <a:rPr lang="en-US"/>
               <a:t>Second level</a:t>
             </a:r>
           </a:p>
           <a:p>
             <a:pPr lvl="2"/>
             <a:r>
-              <a:rPr lang="en-US" smtClean="0"/>
+              <a:rPr lang="en-US"/>
               <a:t>Third level</a:t>
             </a:r>
           </a:p>
           <a:p>
             <a:pPr lvl="3"/>
             <a:r>
-              <a:rPr lang="en-US" smtClean="0"/>
+              <a:rPr lang="en-US"/>
               <a:t>Fourth level</a:t>
             </a:r>
           </a:p>
           <a:p>
             <a:pPr lvl="4"/>
             <a:r>
-              <a:rPr lang="en-US" smtClean="0"/>
+              <a:rPr lang="en-US"/>
               <a:t>Fifth level</a:t>
             </a:r>
             <a:endParaRPr lang="en-US" dirty="0"/>
@@ -4247,7 +4252,7 @@
           <a:p>
             <a:pPr lvl="0"/>
             <a:r>
-              <a:rPr lang="en-US" smtClean="0"/>
+              <a:rPr lang="en-US"/>
               <a:t>Edit Master text styles</a:t>
             </a:r>
           </a:p>
@@ -4275,35 +4280,35 @@
           <a:p>
             <a:pPr lvl="0"/>
             <a:r>
-              <a:rPr lang="en-US" smtClean="0"/>
+              <a:rPr lang="en-US"/>
               <a:t>Edit Master text styles</a:t>
             </a:r>
           </a:p>
           <a:p>
             <a:pPr lvl="1"/>
             <a:r>
-              <a:rPr lang="en-US" smtClean="0"/>
+              <a:rPr lang="en-US"/>
               <a:t>Second level</a:t>
             </a:r>
           </a:p>
           <a:p>
             <a:pPr lvl="2"/>
             <a:r>
-              <a:rPr lang="en-US" smtClean="0"/>
+              <a:rPr lang="en-US"/>
               <a:t>Third level</a:t>
             </a:r>
           </a:p>
           <a:p>
             <a:pPr lvl="3"/>
             <a:r>
-              <a:rPr lang="en-US" smtClean="0"/>
+              <a:rPr lang="en-US"/>
               <a:t>Fourth level</a:t>
             </a:r>
           </a:p>
           <a:p>
             <a:pPr lvl="4"/>
             <a:r>
-              <a:rPr lang="en-US" smtClean="0"/>
+              <a:rPr lang="en-US"/>
               <a:t>Fifth level</a:t>
             </a:r>
             <a:endParaRPr lang="en-US" dirty="0"/>
@@ -4327,7 +4332,7 @@
           <a:p>
             <a:fld id="{48A87A34-81AB-432B-8DAE-1953F412C126}" type="datetimeFigureOut">
               <a:rPr lang="en-US" dirty="0"/>
-              <a:t>7/13/2025</a:t>
+              <a:t>2/17/2026</a:t>
             </a:fld>
             <a:endParaRPr lang="en-US" dirty="0"/>
           </a:p>
@@ -4416,7 +4421,7 @@
           <a:lstStyle/>
           <a:p>
             <a:r>
-              <a:rPr lang="en-US" smtClean="0"/>
+              <a:rPr lang="en-US"/>
               <a:t>Click to edit Master title style</a:t>
             </a:r>
             <a:endParaRPr lang="en-US" dirty="0"/>
@@ -4440,7 +4445,7 @@
           <a:p>
             <a:fld id="{48A87A34-81AB-432B-8DAE-1953F412C126}" type="datetimeFigureOut">
               <a:rPr lang="en-US" dirty="0"/>
-              <a:t>7/13/2025</a:t>
+              <a:t>2/17/2026</a:t>
             </a:fld>
             <a:endParaRPr lang="en-US" dirty="0"/>
           </a:p>
@@ -4530,7 +4535,7 @@
           <a:p>
             <a:fld id="{48A87A34-81AB-432B-8DAE-1953F412C126}" type="datetimeFigureOut">
               <a:rPr lang="en-US" dirty="0"/>
-              <a:t>7/13/2025</a:t>
+              <a:t>2/17/2026</a:t>
             </a:fld>
             <a:endParaRPr lang="en-US" dirty="0"/>
           </a:p>
@@ -4628,7 +4633,7 @@
           </a:lstStyle>
           <a:p>
             <a:r>
-              <a:rPr lang="en-US" smtClean="0"/>
+              <a:rPr lang="en-US"/>
               <a:t>Click to edit Master title style</a:t>
             </a:r>
             <a:endParaRPr lang="en-US" dirty="0"/>
@@ -4657,35 +4662,35 @@
           <a:p>
             <a:pPr lvl="0"/>
             <a:r>
-              <a:rPr lang="en-US" smtClean="0"/>
+              <a:rPr lang="en-US"/>
               <a:t>Edit Master text styles</a:t>
             </a:r>
           </a:p>
           <a:p>
             <a:pPr lvl="1"/>
             <a:r>
-              <a:rPr lang="en-US" smtClean="0"/>
+              <a:rPr lang="en-US"/>
               <a:t>Second level</a:t>
             </a:r>
           </a:p>
           <a:p>
             <a:pPr lvl="2"/>
             <a:r>
-              <a:rPr lang="en-US" smtClean="0"/>
+              <a:rPr lang="en-US"/>
               <a:t>Third level</a:t>
             </a:r>
           </a:p>
           <a:p>
             <a:pPr lvl="3"/>
             <a:r>
-              <a:rPr lang="en-US" smtClean="0"/>
+              <a:rPr lang="en-US"/>
               <a:t>Fourth level</a:t>
             </a:r>
           </a:p>
           <a:p>
             <a:pPr lvl="4"/>
             <a:r>
-              <a:rPr lang="en-US" smtClean="0"/>
+              <a:rPr lang="en-US"/>
               <a:t>Fifth level</a:t>
             </a:r>
             <a:endParaRPr lang="en-US" dirty="0"/>
@@ -4751,7 +4756,7 @@
           <a:p>
             <a:pPr lvl="0"/>
             <a:r>
-              <a:rPr lang="en-US" smtClean="0"/>
+              <a:rPr lang="en-US"/>
               <a:t>Edit Master text styles</a:t>
             </a:r>
           </a:p>
@@ -4774,7 +4779,7 @@
           <a:p>
             <a:fld id="{48A87A34-81AB-432B-8DAE-1953F412C126}" type="datetimeFigureOut">
               <a:rPr lang="en-US" dirty="0"/>
-              <a:t>7/13/2025</a:t>
+              <a:t>2/17/2026</a:t>
             </a:fld>
             <a:endParaRPr lang="en-US" dirty="0"/>
           </a:p>
@@ -4872,7 +4877,7 @@
           </a:lstStyle>
           <a:p>
             <a:r>
-              <a:rPr lang="en-US" smtClean="0"/>
+              <a:rPr lang="en-US"/>
               <a:t>Click to edit Master title style</a:t>
             </a:r>
             <a:endParaRPr lang="en-US" dirty="0"/>
@@ -4937,7 +4942,7 @@
           </a:lstStyle>
           <a:p>
             <a:r>
-              <a:rPr lang="en-US" smtClean="0"/>
+              <a:rPr lang="en-US"/>
               <a:t>Click icon to add picture</a:t>
             </a:r>
             <a:endParaRPr lang="en-US" dirty="0"/>
@@ -5003,7 +5008,7 @@
           <a:p>
             <a:pPr lvl="0"/>
             <a:r>
-              <a:rPr lang="en-US" smtClean="0"/>
+              <a:rPr lang="en-US"/>
               <a:t>Edit Master text styles</a:t>
             </a:r>
           </a:p>
@@ -5026,7 +5031,7 @@
           <a:p>
             <a:fld id="{48A87A34-81AB-432B-8DAE-1953F412C126}" type="datetimeFigureOut">
               <a:rPr lang="en-US" dirty="0"/>
-              <a:t>7/13/2025</a:t>
+              <a:t>2/17/2026</a:t>
             </a:fld>
             <a:endParaRPr lang="en-US" dirty="0"/>
           </a:p>
@@ -5160,7 +5165,7 @@
           <a:lstStyle/>
           <a:p>
             <a:r>
-              <a:rPr lang="en-US" smtClean="0"/>
+              <a:rPr lang="en-US"/>
               <a:t>Click to edit Master title style</a:t>
             </a:r>
             <a:endParaRPr lang="en-US" dirty="0"/>
@@ -5194,35 +5199,35 @@
           <a:p>
             <a:pPr lvl="0"/>
             <a:r>
-              <a:rPr lang="en-US" smtClean="0"/>
+              <a:rPr lang="en-US"/>
               <a:t>Edit Master text styles</a:t>
             </a:r>
           </a:p>
           <a:p>
             <a:pPr lvl="1"/>
             <a:r>
-              <a:rPr lang="en-US" smtClean="0"/>
+              <a:rPr lang="en-US"/>
               <a:t>Second level</a:t>
             </a:r>
           </a:p>
           <a:p>
             <a:pPr lvl="2"/>
             <a:r>
-              <a:rPr lang="en-US" smtClean="0"/>
+              <a:rPr lang="en-US"/>
               <a:t>Third level</a:t>
             </a:r>
           </a:p>
           <a:p>
             <a:pPr lvl="3"/>
             <a:r>
-              <a:rPr lang="en-US" smtClean="0"/>
+              <a:rPr lang="en-US"/>
               <a:t>Fourth level</a:t>
             </a:r>
           </a:p>
           <a:p>
             <a:pPr lvl="4"/>
             <a:r>
-              <a:rPr lang="en-US" smtClean="0"/>
+              <a:rPr lang="en-US"/>
               <a:t>Fifth level</a:t>
             </a:r>
             <a:endParaRPr lang="en-US" dirty="0"/>
@@ -5265,7 +5270,7 @@
             <a:fld id="{48A87A34-81AB-432B-8DAE-1953F412C126}" type="datetimeFigureOut">
               <a:rPr lang="en-US" dirty="0"/>
               <a:pPr/>
-              <a:t>7/13/2025</a:t>
+              <a:t>2/17/2026</a:t>
             </a:fld>
             <a:endParaRPr lang="en-US" dirty="0"/>
           </a:p>
@@ -5695,12 +5700,8 @@
           <a:lstStyle/>
           <a:p>
             <a:r>
-              <a:rPr lang="en-US" sz="4400" dirty="0" smtClean="0"/>
-              <a:t>Introduction to Programming Language (Java</a:t>
-            </a:r>
-            <a:r>
               <a:rPr lang="en-US" sz="4400" dirty="0"/>
-              <a:t>)</a:t>
+              <a:t>Introduction to Programming Language (Java)</a:t>
             </a:r>
           </a:p>
         </p:txBody>
@@ -5728,7 +5729,7 @@
           <a:lstStyle/>
           <a:p>
             <a:r>
-              <a:rPr lang="en-US" sz="2000" dirty="0" smtClean="0"/>
+              <a:rPr lang="en-US" sz="2000" dirty="0"/>
               <a:t>Fariha </a:t>
             </a:r>
             <a:r>
@@ -5772,7 +5773,13 @@
   <p:cSld>
     <p:spTree>
       <p:nvGrpSpPr>
-        <p:cNvPr id="1" name=""/>
+        <p:cNvPr id="1" name="">
+          <a:extLst>
+            <a:ext uri="{FF2B5EF4-FFF2-40B4-BE49-F238E27FC236}">
+              <a16:creationId xmlns:a16="http://schemas.microsoft.com/office/drawing/2014/main" id="{E8398061-0EBF-DAFC-729E-DDB7EA3FD9AF}"/>
+            </a:ext>
+          </a:extLst>
+        </p:cNvPr>
         <p:cNvGrpSpPr/>
         <p:nvPr/>
       </p:nvGrpSpPr>
@@ -5784,42 +5791,24 @@
           <a:chExt cx="0" cy="0"/>
         </a:xfrm>
       </p:grpSpPr>
-      <p:pic>
-        <p:nvPicPr>
-          <p:cNvPr id="2" name="Picture 1"/>
-          <p:cNvPicPr>
-            <a:picLocks noChangeAspect="1"/>
-          </p:cNvPicPr>
+      <p:sp>
+        <p:nvSpPr>
+          <p:cNvPr id="2" name="Rectangle 1">
+            <a:extLst>
+              <a:ext uri="{FF2B5EF4-FFF2-40B4-BE49-F238E27FC236}">
+                <a16:creationId xmlns:a16="http://schemas.microsoft.com/office/drawing/2014/main" id="{A2786261-F7E0-6EEC-5968-C783D9DB708D}"/>
+              </a:ext>
+            </a:extLst>
+          </p:cNvPr>
+          <p:cNvSpPr>
+            <a:spLocks noChangeArrowheads="1"/>
+          </p:cNvSpPr>
           <p:nvPr/>
-        </p:nvPicPr>
-        <p:blipFill>
-          <a:blip r:embed="rId2"/>
-          <a:stretch>
-            <a:fillRect/>
-          </a:stretch>
-        </p:blipFill>
-        <p:spPr>
-          <a:xfrm>
-            <a:off x="5771709" y="1371773"/>
-            <a:ext cx="5950256" cy="4502381"/>
-          </a:xfrm>
-          <a:prstGeom prst="rect">
-            <a:avLst/>
-          </a:prstGeom>
-        </p:spPr>
-      </p:pic>
-      <p:sp>
-        <p:nvSpPr>
-          <p:cNvPr id="3" name="Rectangle 1"/>
-          <p:cNvSpPr>
-            <a:spLocks noChangeArrowheads="1"/>
-          </p:cNvSpPr>
-          <p:nvPr/>
         </p:nvSpPr>
         <p:spPr bwMode="auto">
           <a:xfrm>
-            <a:off x="498765" y="2062586"/>
-            <a:ext cx="5061527" cy="3416320"/>
+            <a:off x="628071" y="2508302"/>
+            <a:ext cx="5680365" cy="1668405"/>
           </a:xfrm>
           <a:prstGeom prst="rect">
             <a:avLst/>
@@ -5869,6 +5858,531 @@
           <a:p>
             <a:pPr marL="0" marR="0" lvl="0" indent="0" algn="l" defTabSz="914400" rtl="0" eaLnBrk="0" fontAlgn="base" latinLnBrk="0" hangingPunct="0">
               <a:lnSpc>
+                <a:spcPct val="200000"/>
+              </a:lnSpc>
+              <a:spcBef>
+                <a:spcPct val="0"/>
+              </a:spcBef>
+              <a:spcAft>
+                <a:spcPct val="0"/>
+              </a:spcAft>
+              <a:buClrTx/>
+              <a:buSzTx/>
+              <a:buFontTx/>
+              <a:buNone/>
+              <a:tabLst/>
+            </a:pPr>
+            <a:r>
+              <a:rPr kumimoji="0" lang="en-US" altLang="en-US" sz="1800" b="1" i="0" u="none" strike="noStrike" cap="none" normalizeH="0" baseline="0" dirty="0">
+                <a:ln>
+                  <a:noFill/>
+                </a:ln>
+                <a:solidFill>
+                  <a:schemeClr val="tx1"/>
+                </a:solidFill>
+                <a:effectLst/>
+                <a:latin typeface="Arial" panose="020B0604020202020204" pitchFamily="34" charset="0"/>
+              </a:rPr>
+              <a:t>Initializing Objects in Java</a:t>
+            </a:r>
+          </a:p>
+          <a:p>
+            <a:pPr marR="0" lvl="0" algn="l" defTabSz="914400" rtl="0" eaLnBrk="0" fontAlgn="base" latinLnBrk="0" hangingPunct="0">
+              <a:lnSpc>
+                <a:spcPct val="200000"/>
+              </a:lnSpc>
+              <a:spcBef>
+                <a:spcPct val="0"/>
+              </a:spcBef>
+              <a:spcAft>
+                <a:spcPct val="0"/>
+              </a:spcAft>
+              <a:buClrTx/>
+              <a:buSzTx/>
+              <a:tabLst/>
+            </a:pPr>
+            <a:r>
+              <a:rPr kumimoji="0" lang="en-US" altLang="en-US" sz="1800" b="0" i="0" u="none" strike="noStrike" cap="none" normalizeH="0" baseline="0" dirty="0">
+                <a:ln>
+                  <a:noFill/>
+                </a:ln>
+                <a:solidFill>
+                  <a:schemeClr val="tx1"/>
+                </a:solidFill>
+                <a:effectLst/>
+                <a:latin typeface="Arial" panose="020B0604020202020204" pitchFamily="34" charset="0"/>
+              </a:rPr>
+              <a:t>2. By method </a:t>
+            </a:r>
+          </a:p>
+          <a:p>
+            <a:pPr marL="0" marR="0" lvl="0" indent="0" algn="l" defTabSz="914400" rtl="0" eaLnBrk="0" fontAlgn="base" latinLnBrk="0" hangingPunct="0">
+              <a:lnSpc>
+                <a:spcPct val="200000"/>
+              </a:lnSpc>
+              <a:spcBef>
+                <a:spcPct val="0"/>
+              </a:spcBef>
+              <a:spcAft>
+                <a:spcPct val="0"/>
+              </a:spcAft>
+              <a:buClrTx/>
+              <a:buSzTx/>
+              <a:buFontTx/>
+              <a:buNone/>
+              <a:tabLst/>
+            </a:pPr>
+            <a:endParaRPr kumimoji="0" lang="en-US" altLang="en-US" sz="1800" b="0" i="0" u="none" strike="noStrike" cap="none" normalizeH="0" baseline="0" dirty="0">
+              <a:ln>
+                <a:noFill/>
+              </a:ln>
+              <a:solidFill>
+                <a:schemeClr val="tx1"/>
+              </a:solidFill>
+              <a:effectLst/>
+              <a:latin typeface="Arial" panose="020B0604020202020204" pitchFamily="34" charset="0"/>
+            </a:endParaRPr>
+          </a:p>
+        </p:txBody>
+      </p:sp>
+      <p:pic>
+        <p:nvPicPr>
+          <p:cNvPr id="6" name="Picture 5">
+            <a:extLst>
+              <a:ext uri="{FF2B5EF4-FFF2-40B4-BE49-F238E27FC236}">
+                <a16:creationId xmlns:a16="http://schemas.microsoft.com/office/drawing/2014/main" id="{552D78BE-014F-7358-2040-45C99FA99E60}"/>
+              </a:ext>
+            </a:extLst>
+          </p:cNvPr>
+          <p:cNvPicPr>
+            <a:picLocks noChangeAspect="1"/>
+          </p:cNvPicPr>
+          <p:nvPr/>
+        </p:nvPicPr>
+        <p:blipFill>
+          <a:blip r:embed="rId2"/>
+          <a:srcRect r="47245"/>
+          <a:stretch>
+            <a:fillRect/>
+          </a:stretch>
+        </p:blipFill>
+        <p:spPr>
+          <a:xfrm>
+            <a:off x="4883727" y="602907"/>
+            <a:ext cx="6431973" cy="6067821"/>
+          </a:xfrm>
+          <a:prstGeom prst="rect">
+            <a:avLst/>
+          </a:prstGeom>
+        </p:spPr>
+      </p:pic>
+    </p:spTree>
+    <p:extLst>
+      <p:ext uri="{BB962C8B-B14F-4D97-AF65-F5344CB8AC3E}">
+        <p14:creationId xmlns:p14="http://schemas.microsoft.com/office/powerpoint/2010/main" val="261373389"/>
+      </p:ext>
+    </p:extLst>
+  </p:cSld>
+  <p:clrMapOvr>
+    <a:masterClrMapping/>
+  </p:clrMapOvr>
+</p:sld>
+</file>
+
+<file path=ppt/slides/slide11.xml><?xml version="1.0" encoding="utf-8"?>
+<p:sld xmlns:a="http://schemas.openxmlformats.org/drawingml/2006/main" xmlns:r="http://schemas.openxmlformats.org/officeDocument/2006/relationships" xmlns:p="http://schemas.openxmlformats.org/presentationml/2006/main">
+  <p:cSld>
+    <p:spTree>
+      <p:nvGrpSpPr>
+        <p:cNvPr id="1" name=""/>
+        <p:cNvGrpSpPr/>
+        <p:nvPr/>
+      </p:nvGrpSpPr>
+      <p:grpSpPr>
+        <a:xfrm>
+          <a:off x="0" y="0"/>
+          <a:ext cx="0" cy="0"/>
+          <a:chOff x="0" y="0"/>
+          <a:chExt cx="0" cy="0"/>
+        </a:xfrm>
+      </p:grpSpPr>
+      <p:sp>
+        <p:nvSpPr>
+          <p:cNvPr id="2" name="Rectangle 1"/>
+          <p:cNvSpPr/>
+          <p:nvPr/>
+        </p:nvSpPr>
+        <p:spPr>
+          <a:xfrm>
+            <a:off x="479055" y="1419523"/>
+            <a:ext cx="7259782" cy="646331"/>
+          </a:xfrm>
+          <a:prstGeom prst="rect">
+            <a:avLst/>
+          </a:prstGeom>
+        </p:spPr>
+        <p:txBody>
+          <a:bodyPr wrap="square">
+            <a:spAutoFit/>
+          </a:bodyPr>
+          <a:lstStyle/>
+          <a:p>
+            <a:r>
+              <a:rPr lang="en-US" dirty="0"/>
+              <a:t>3 . By Constructors</a:t>
+            </a:r>
+          </a:p>
+          <a:p>
+            <a:r>
+              <a:rPr lang="en-US" dirty="0"/>
+              <a:t>A constructor initializes objects.</a:t>
+            </a:r>
+          </a:p>
+        </p:txBody>
+      </p:sp>
+      <p:pic>
+        <p:nvPicPr>
+          <p:cNvPr id="3" name="Picture 2"/>
+          <p:cNvPicPr>
+            <a:picLocks noChangeAspect="1"/>
+          </p:cNvPicPr>
+          <p:nvPr/>
+        </p:nvPicPr>
+        <p:blipFill>
+          <a:blip r:embed="rId2"/>
+          <a:stretch>
+            <a:fillRect/>
+          </a:stretch>
+        </p:blipFill>
+        <p:spPr>
+          <a:xfrm>
+            <a:off x="6575055" y="2403703"/>
+            <a:ext cx="5265963" cy="3253765"/>
+          </a:xfrm>
+          <a:prstGeom prst="rect">
+            <a:avLst/>
+          </a:prstGeom>
+        </p:spPr>
+      </p:pic>
+      <p:sp>
+        <p:nvSpPr>
+          <p:cNvPr id="4" name="Rectangle 3"/>
+          <p:cNvSpPr/>
+          <p:nvPr/>
+        </p:nvSpPr>
+        <p:spPr>
+          <a:xfrm>
+            <a:off x="479055" y="2065854"/>
+            <a:ext cx="6096000" cy="4801314"/>
+          </a:xfrm>
+          <a:prstGeom prst="rect">
+            <a:avLst/>
+          </a:prstGeom>
+        </p:spPr>
+        <p:txBody>
+          <a:bodyPr>
+            <a:spAutoFit/>
+          </a:bodyPr>
+          <a:lstStyle/>
+          <a:p>
+            <a:r>
+              <a:rPr lang="en-US" b="1" dirty="0"/>
+              <a:t>Properties of a Constructor in Java</a:t>
+            </a:r>
+          </a:p>
+          <a:p>
+            <a:r>
+              <a:rPr lang="en-US" dirty="0"/>
+              <a:t>1.Same Name as Class</a:t>
+            </a:r>
+          </a:p>
+          <a:p>
+            <a:pPr lvl="1" defTabSz="914400" eaLnBrk="0" fontAlgn="base" hangingPunct="0">
+              <a:spcBef>
+                <a:spcPct val="0"/>
+              </a:spcBef>
+              <a:spcAft>
+                <a:spcPct val="0"/>
+              </a:spcAft>
+            </a:pPr>
+            <a:r>
+              <a:rPr lang="en-US" altLang="en-US" dirty="0">
+                <a:latin typeface="Arial" panose="020B0604020202020204" pitchFamily="34" charset="0"/>
+              </a:rPr>
+              <a:t>A constructor must have the same name as the class.</a:t>
+            </a:r>
+          </a:p>
+          <a:p>
+            <a:pPr lvl="0" defTabSz="914400" eaLnBrk="0" fontAlgn="base" hangingPunct="0">
+              <a:spcBef>
+                <a:spcPct val="0"/>
+              </a:spcBef>
+              <a:spcAft>
+                <a:spcPct val="0"/>
+              </a:spcAft>
+              <a:buFontTx/>
+              <a:buAutoNum type="arabicPeriod" startAt="2"/>
+            </a:pPr>
+            <a:r>
+              <a:rPr lang="en-US" altLang="en-US" dirty="0">
+                <a:latin typeface="Arial" panose="020B0604020202020204" pitchFamily="34" charset="0"/>
+              </a:rPr>
+              <a:t>No Return Type</a:t>
+            </a:r>
+          </a:p>
+          <a:p>
+            <a:pPr lvl="1" defTabSz="914400" eaLnBrk="0" fontAlgn="base" hangingPunct="0">
+              <a:spcBef>
+                <a:spcPct val="0"/>
+              </a:spcBef>
+              <a:spcAft>
+                <a:spcPct val="0"/>
+              </a:spcAft>
+            </a:pPr>
+            <a:r>
+              <a:rPr lang="en-US" altLang="en-US" dirty="0">
+                <a:latin typeface="Arial" panose="020B0604020202020204" pitchFamily="34" charset="0"/>
+              </a:rPr>
+              <a:t>A constructor does not have a return type, not even void</a:t>
+            </a:r>
+          </a:p>
+          <a:p>
+            <a:pPr lvl="0" defTabSz="914400" eaLnBrk="0" fontAlgn="base" hangingPunct="0">
+              <a:spcBef>
+                <a:spcPct val="0"/>
+              </a:spcBef>
+              <a:spcAft>
+                <a:spcPct val="0"/>
+              </a:spcAft>
+              <a:buFontTx/>
+              <a:buAutoNum type="arabicPeriod" startAt="3"/>
+            </a:pPr>
+            <a:r>
+              <a:rPr lang="en-US" altLang="en-US" dirty="0">
+                <a:latin typeface="Arial" panose="020B0604020202020204" pitchFamily="34" charset="0"/>
+              </a:rPr>
+              <a:t>Automatically Called</a:t>
+            </a:r>
+          </a:p>
+          <a:p>
+            <a:pPr lvl="1" defTabSz="914400" eaLnBrk="0" fontAlgn="base" hangingPunct="0">
+              <a:spcBef>
+                <a:spcPct val="0"/>
+              </a:spcBef>
+              <a:spcAft>
+                <a:spcPct val="0"/>
+              </a:spcAft>
+            </a:pPr>
+            <a:r>
+              <a:rPr lang="en-US" altLang="en-US" dirty="0">
+                <a:latin typeface="Arial" panose="020B0604020202020204" pitchFamily="34" charset="0"/>
+              </a:rPr>
+              <a:t>It is automatically invoked when an object of the class is created.</a:t>
+            </a:r>
+          </a:p>
+          <a:p>
+            <a:pPr lvl="0" defTabSz="914400" eaLnBrk="0" fontAlgn="base" hangingPunct="0">
+              <a:spcBef>
+                <a:spcPct val="0"/>
+              </a:spcBef>
+              <a:spcAft>
+                <a:spcPct val="0"/>
+              </a:spcAft>
+              <a:buFontTx/>
+              <a:buAutoNum type="arabicPeriod" startAt="4"/>
+            </a:pPr>
+            <a:r>
+              <a:rPr lang="en-US" altLang="en-US" dirty="0">
+                <a:latin typeface="Arial" panose="020B0604020202020204" pitchFamily="34" charset="0"/>
+              </a:rPr>
+              <a:t>Can Be Overloaded</a:t>
+            </a:r>
+          </a:p>
+          <a:p>
+            <a:pPr lvl="1" defTabSz="914400" eaLnBrk="0" fontAlgn="base" hangingPunct="0">
+              <a:spcBef>
+                <a:spcPct val="0"/>
+              </a:spcBef>
+              <a:spcAft>
+                <a:spcPct val="0"/>
+              </a:spcAft>
+            </a:pPr>
+            <a:r>
+              <a:rPr lang="en-US" altLang="en-US" dirty="0">
+                <a:latin typeface="Arial" panose="020B0604020202020204" pitchFamily="34" charset="0"/>
+              </a:rPr>
+              <a:t>Multiple constructors can be defined with different parameters (Constructor Overloading).</a:t>
+            </a:r>
+          </a:p>
+          <a:p>
+            <a:pPr lvl="0" defTabSz="914400" eaLnBrk="0" fontAlgn="base" hangingPunct="0">
+              <a:spcBef>
+                <a:spcPct val="0"/>
+              </a:spcBef>
+              <a:spcAft>
+                <a:spcPct val="0"/>
+              </a:spcAft>
+              <a:buFontTx/>
+              <a:buAutoNum type="arabicPeriod" startAt="5"/>
+            </a:pPr>
+            <a:r>
+              <a:rPr lang="en-US" altLang="en-US" dirty="0">
+                <a:latin typeface="Arial" panose="020B0604020202020204" pitchFamily="34" charset="0"/>
+              </a:rPr>
+              <a:t>Cannot Be Inherited</a:t>
+            </a:r>
+          </a:p>
+          <a:p>
+            <a:pPr lvl="1" defTabSz="914400" eaLnBrk="0" fontAlgn="base" hangingPunct="0">
+              <a:spcBef>
+                <a:spcPct val="0"/>
+              </a:spcBef>
+              <a:spcAft>
+                <a:spcPct val="0"/>
+              </a:spcAft>
+            </a:pPr>
+            <a:r>
+              <a:rPr lang="en-US" altLang="en-US" dirty="0">
+                <a:latin typeface="Arial" panose="020B0604020202020204" pitchFamily="34" charset="0"/>
+              </a:rPr>
+              <a:t>Constructors are not inherited by subclasses, but a subclass can call the parent class constructor using super keyword.</a:t>
+            </a:r>
+          </a:p>
+          <a:p>
+            <a:pPr lvl="0" defTabSz="914400" eaLnBrk="0" fontAlgn="base" hangingPunct="0">
+              <a:spcBef>
+                <a:spcPct val="0"/>
+              </a:spcBef>
+              <a:spcAft>
+                <a:spcPct val="0"/>
+              </a:spcAft>
+            </a:pPr>
+            <a:endParaRPr lang="en-US" altLang="en-US" dirty="0">
+              <a:latin typeface="Arial" panose="020B0604020202020204" pitchFamily="34" charset="0"/>
+            </a:endParaRPr>
+          </a:p>
+        </p:txBody>
+      </p:sp>
+    </p:spTree>
+    <p:extLst>
+      <p:ext uri="{BB962C8B-B14F-4D97-AF65-F5344CB8AC3E}">
+        <p14:creationId xmlns:p14="http://schemas.microsoft.com/office/powerpoint/2010/main" val="2834895518"/>
+      </p:ext>
+    </p:extLst>
+  </p:cSld>
+  <p:clrMapOvr>
+    <a:masterClrMapping/>
+  </p:clrMapOvr>
+</p:sld>
+</file>
+
+<file path=ppt/slides/slide12.xml><?xml version="1.0" encoding="utf-8"?>
+<p:sld xmlns:a="http://schemas.openxmlformats.org/drawingml/2006/main" xmlns:r="http://schemas.openxmlformats.org/officeDocument/2006/relationships" xmlns:p="http://schemas.openxmlformats.org/presentationml/2006/main">
+  <p:cSld>
+    <p:spTree>
+      <p:nvGrpSpPr>
+        <p:cNvPr id="1" name=""/>
+        <p:cNvGrpSpPr/>
+        <p:nvPr/>
+      </p:nvGrpSpPr>
+      <p:grpSpPr>
+        <a:xfrm>
+          <a:off x="0" y="0"/>
+          <a:ext cx="0" cy="0"/>
+          <a:chOff x="0" y="0"/>
+          <a:chExt cx="0" cy="0"/>
+        </a:xfrm>
+      </p:grpSpPr>
+      <p:sp>
+        <p:nvSpPr>
+          <p:cNvPr id="2" name="Rectangle 1"/>
+          <p:cNvSpPr>
+            <a:spLocks noChangeArrowheads="1"/>
+          </p:cNvSpPr>
+          <p:nvPr/>
+        </p:nvSpPr>
+        <p:spPr bwMode="auto">
+          <a:xfrm>
+            <a:off x="350982" y="2839366"/>
+            <a:ext cx="5818909" cy="2308324"/>
+          </a:xfrm>
+          <a:prstGeom prst="rect">
+            <a:avLst/>
+          </a:prstGeom>
+          <a:noFill/>
+          <a:ln>
+            <a:noFill/>
+          </a:ln>
+          <a:effectLst/>
+          <a:extLst>
+            <a:ext uri="{909E8E84-426E-40DD-AFC4-6F175D3DCCD1}">
+              <a14:hiddenFill xmlns:a14="http://schemas.microsoft.com/office/drawing/2010/main">
+                <a:solidFill>
+                  <a:schemeClr val="accent1"/>
+                </a:solidFill>
+              </a14:hiddenFill>
+            </a:ext>
+            <a:ext uri="{91240B29-F687-4F45-9708-019B960494DF}">
+              <a14:hiddenLine xmlns:a14="http://schemas.microsoft.com/office/drawing/2010/main" w="9525">
+                <a:solidFill>
+                  <a:schemeClr val="tx1"/>
+                </a:solidFill>
+                <a:miter lim="800000"/>
+                <a:headEnd/>
+                <a:tailEnd/>
+              </a14:hiddenLine>
+            </a:ext>
+            <a:ext uri="{AF507438-7753-43E0-B8FC-AC1667EBCBE1}">
+              <a14:hiddenEffects xmlns:a14="http://schemas.microsoft.com/office/drawing/2010/main">
+                <a:effectLst>
+                  <a:outerShdw dist="35921" dir="2700000" algn="ctr" rotWithShape="0">
+                    <a:schemeClr val="bg2"/>
+                  </a:outerShdw>
+                </a:effectLst>
+              </a14:hiddenEffects>
+            </a:ext>
+          </a:extLst>
+        </p:spPr>
+        <p:txBody>
+          <a:bodyPr vert="horz" wrap="square" lIns="91440" tIns="45720" rIns="91440" bIns="45720" numCol="1" anchor="ctr" anchorCtr="0" compatLnSpc="1">
+            <a:prstTxWarp prst="textNoShape">
+              <a:avLst/>
+            </a:prstTxWarp>
+            <a:spAutoFit/>
+          </a:bodyPr>
+          <a:lstStyle/>
+          <a:p>
+            <a:pPr marL="0" marR="0" lvl="0" indent="0" algn="l" defTabSz="914400" rtl="0" eaLnBrk="0" fontAlgn="base" latinLnBrk="0" hangingPunct="0">
+              <a:lnSpc>
+                <a:spcPct val="100000"/>
+              </a:lnSpc>
+              <a:spcBef>
+                <a:spcPct val="0"/>
+              </a:spcBef>
+              <a:spcAft>
+                <a:spcPct val="0"/>
+              </a:spcAft>
+              <a:buClrTx/>
+              <a:buSzTx/>
+              <a:tabLst/>
+            </a:pPr>
+            <a:r>
+              <a:rPr kumimoji="0" lang="en-US" altLang="en-US" sz="1800" b="0" i="0" u="none" strike="noStrike" cap="none" normalizeH="0" baseline="0" dirty="0">
+                <a:ln>
+                  <a:noFill/>
+                </a:ln>
+                <a:solidFill>
+                  <a:schemeClr val="tx1"/>
+                </a:solidFill>
+                <a:effectLst/>
+                <a:latin typeface="Arial" panose="020B0604020202020204" pitchFamily="34" charset="0"/>
+              </a:rPr>
+              <a:t>Types of Constructors:</a:t>
+            </a:r>
+          </a:p>
+          <a:p>
+            <a:pPr marL="0" marR="0" lvl="0" indent="0" algn="l" defTabSz="914400" rtl="0" eaLnBrk="0" fontAlgn="base" latinLnBrk="0" hangingPunct="0">
+              <a:lnSpc>
                 <a:spcPct val="100000"/>
               </a:lnSpc>
               <a:spcBef>
@@ -5880,29 +6394,11 @@
               <a:buClrTx/>
               <a:buSzTx/>
               <a:buFontTx/>
-              <a:buChar char="•"/>
+              <a:buAutoNum type="arabicPeriod"/>
               <a:tabLst/>
             </a:pPr>
             <a:r>
-              <a:rPr lang="en-US" altLang="en-US" b="1" dirty="0">
-                <a:latin typeface="Arial" panose="020B0604020202020204" pitchFamily="34" charset="0"/>
-              </a:rPr>
-              <a:t> </a:t>
-            </a:r>
-            <a:r>
-              <a:rPr lang="en-US" altLang="en-US" b="1" dirty="0" smtClean="0">
-                <a:latin typeface="Arial" panose="020B0604020202020204" pitchFamily="34" charset="0"/>
-              </a:rPr>
-              <a:t>this() </a:t>
-            </a:r>
-            <a:r>
-              <a:rPr lang="en-US" altLang="en-US" dirty="0" smtClean="0">
-                <a:latin typeface="Arial" panose="020B0604020202020204" pitchFamily="34" charset="0"/>
-              </a:rPr>
-              <a:t>must be the </a:t>
-            </a:r>
-            <a:r>
-              <a:rPr kumimoji="0" lang="en-US" altLang="en-US" sz="1800" i="0" u="none" strike="noStrike" cap="none" normalizeH="0" baseline="0" dirty="0" smtClean="0">
+              <a:rPr kumimoji="0" lang="en-US" altLang="en-US" sz="1800" b="1" i="0" u="none" strike="noStrike" cap="none" normalizeH="0" baseline="0" dirty="0">
                 <a:ln>
                   <a:noFill/>
                 </a:ln>
@@ -5912,10 +6408,10 @@
                 <a:effectLst/>
                 <a:latin typeface="Arial" panose="020B0604020202020204" pitchFamily="34" charset="0"/>
               </a:rPr>
-              <a:t>first statement </a:t>
-            </a:r>
-            <a:r>
-              <a:rPr kumimoji="0" lang="en-US" altLang="en-US" sz="1800" b="0" i="0" u="none" strike="noStrike" cap="none" normalizeH="0" baseline="0" dirty="0" smtClean="0">
+              <a:t>Default Constructor</a:t>
+            </a:r>
+            <a:r>
+              <a:rPr kumimoji="0" lang="en-US" altLang="en-US" sz="1800" b="0" i="0" u="none" strike="noStrike" cap="none" normalizeH="0" baseline="0" dirty="0">
                 <a:ln>
                   <a:noFill/>
                 </a:ln>
@@ -5925,9 +6421,460 @@
                 <a:effectLst/>
                 <a:latin typeface="Arial" panose="020B0604020202020204" pitchFamily="34" charset="0"/>
               </a:rPr>
-              <a:t>in a constructor.</a:t>
-            </a:r>
-          </a:p>
+              <a:t> - No parameters, initializes default values.</a:t>
+            </a:r>
+          </a:p>
+          <a:p>
+            <a:pPr marL="0" marR="0" lvl="0" indent="0" algn="l" defTabSz="914400" rtl="0" eaLnBrk="0" fontAlgn="base" latinLnBrk="0" hangingPunct="0">
+              <a:lnSpc>
+                <a:spcPct val="100000"/>
+              </a:lnSpc>
+              <a:spcBef>
+                <a:spcPct val="0"/>
+              </a:spcBef>
+              <a:spcAft>
+                <a:spcPct val="0"/>
+              </a:spcAft>
+              <a:buClrTx/>
+              <a:buSzTx/>
+              <a:buFontTx/>
+              <a:buAutoNum type="arabicPeriod" startAt="2"/>
+              <a:tabLst/>
+            </a:pPr>
+            <a:r>
+              <a:rPr kumimoji="0" lang="en-US" altLang="en-US" sz="1800" b="1" i="0" u="none" strike="noStrike" cap="none" normalizeH="0" baseline="0" dirty="0">
+                <a:ln>
+                  <a:noFill/>
+                </a:ln>
+                <a:solidFill>
+                  <a:schemeClr val="tx1"/>
+                </a:solidFill>
+                <a:effectLst/>
+                <a:latin typeface="Arial" panose="020B0604020202020204" pitchFamily="34" charset="0"/>
+              </a:rPr>
+              <a:t>Parameterized Constructor</a:t>
+            </a:r>
+            <a:r>
+              <a:rPr kumimoji="0" lang="en-US" altLang="en-US" sz="1800" b="0" i="0" u="none" strike="noStrike" cap="none" normalizeH="0" baseline="0" dirty="0">
+                <a:ln>
+                  <a:noFill/>
+                </a:ln>
+                <a:solidFill>
+                  <a:schemeClr val="tx1"/>
+                </a:solidFill>
+                <a:effectLst/>
+                <a:latin typeface="Arial" panose="020B0604020202020204" pitchFamily="34" charset="0"/>
+              </a:rPr>
+              <a:t> - Takes arguments to initialize object properties.</a:t>
+            </a:r>
+          </a:p>
+          <a:p>
+            <a:pPr marL="0" marR="0" lvl="0" indent="0" algn="l" defTabSz="914400" rtl="0" eaLnBrk="0" fontAlgn="base" latinLnBrk="0" hangingPunct="0">
+              <a:lnSpc>
+                <a:spcPct val="100000"/>
+              </a:lnSpc>
+              <a:spcBef>
+                <a:spcPct val="0"/>
+              </a:spcBef>
+              <a:spcAft>
+                <a:spcPct val="0"/>
+              </a:spcAft>
+              <a:buClrTx/>
+              <a:buSzTx/>
+              <a:buFontTx/>
+              <a:buAutoNum type="arabicPeriod" startAt="3"/>
+              <a:tabLst/>
+            </a:pPr>
+            <a:r>
+              <a:rPr kumimoji="0" lang="en-US" altLang="en-US" sz="1800" b="1" i="0" u="none" strike="noStrike" cap="none" normalizeH="0" baseline="0" dirty="0">
+                <a:ln>
+                  <a:noFill/>
+                </a:ln>
+                <a:solidFill>
+                  <a:schemeClr val="tx1"/>
+                </a:solidFill>
+                <a:effectLst/>
+                <a:latin typeface="Arial" panose="020B0604020202020204" pitchFamily="34" charset="0"/>
+              </a:rPr>
+              <a:t>Copy Constructor</a:t>
+            </a:r>
+            <a:r>
+              <a:rPr kumimoji="0" lang="en-US" altLang="en-US" sz="1800" b="0" i="0" u="none" strike="noStrike" cap="none" normalizeH="0" baseline="0" dirty="0">
+                <a:ln>
+                  <a:noFill/>
+                </a:ln>
+                <a:solidFill>
+                  <a:schemeClr val="tx1"/>
+                </a:solidFill>
+                <a:effectLst/>
+                <a:latin typeface="Arial" panose="020B0604020202020204" pitchFamily="34" charset="0"/>
+              </a:rPr>
+              <a:t> - Creates a new object by copying another object's values.</a:t>
+            </a:r>
+          </a:p>
+          <a:p>
+            <a:pPr marL="0" marR="0" lvl="0" indent="0" algn="l" defTabSz="914400" rtl="0" eaLnBrk="0" fontAlgn="base" latinLnBrk="0" hangingPunct="0">
+              <a:lnSpc>
+                <a:spcPct val="100000"/>
+              </a:lnSpc>
+              <a:spcBef>
+                <a:spcPct val="0"/>
+              </a:spcBef>
+              <a:spcAft>
+                <a:spcPct val="0"/>
+              </a:spcAft>
+              <a:buClrTx/>
+              <a:buSzTx/>
+              <a:buFontTx/>
+              <a:buNone/>
+              <a:tabLst/>
+            </a:pPr>
+            <a:endParaRPr kumimoji="0" lang="en-US" altLang="en-US" sz="1800" b="0" i="0" u="none" strike="noStrike" cap="none" normalizeH="0" baseline="0" dirty="0">
+              <a:ln>
+                <a:noFill/>
+              </a:ln>
+              <a:solidFill>
+                <a:schemeClr val="tx1"/>
+              </a:solidFill>
+              <a:effectLst/>
+              <a:latin typeface="Arial" panose="020B0604020202020204" pitchFamily="34" charset="0"/>
+            </a:endParaRPr>
+          </a:p>
+        </p:txBody>
+      </p:sp>
+      <p:pic>
+        <p:nvPicPr>
+          <p:cNvPr id="3" name="Picture 2"/>
+          <p:cNvPicPr>
+            <a:picLocks noChangeAspect="1"/>
+          </p:cNvPicPr>
+          <p:nvPr/>
+        </p:nvPicPr>
+        <p:blipFill>
+          <a:blip r:embed="rId2"/>
+          <a:stretch>
+            <a:fillRect/>
+          </a:stretch>
+        </p:blipFill>
+        <p:spPr>
+          <a:xfrm>
+            <a:off x="6169891" y="1496641"/>
+            <a:ext cx="5745397" cy="4993775"/>
+          </a:xfrm>
+          <a:prstGeom prst="rect">
+            <a:avLst/>
+          </a:prstGeom>
+        </p:spPr>
+      </p:pic>
+    </p:spTree>
+    <p:extLst>
+      <p:ext uri="{BB962C8B-B14F-4D97-AF65-F5344CB8AC3E}">
+        <p14:creationId xmlns:p14="http://schemas.microsoft.com/office/powerpoint/2010/main" val="2497356743"/>
+      </p:ext>
+    </p:extLst>
+  </p:cSld>
+  <p:clrMapOvr>
+    <a:masterClrMapping/>
+  </p:clrMapOvr>
+</p:sld>
+</file>
+
+<file path=ppt/slides/slide13.xml><?xml version="1.0" encoding="utf-8"?>
+<p:sld xmlns:a="http://schemas.openxmlformats.org/drawingml/2006/main" xmlns:r="http://schemas.openxmlformats.org/officeDocument/2006/relationships" xmlns:p="http://schemas.openxmlformats.org/presentationml/2006/main">
+  <p:cSld>
+    <p:spTree>
+      <p:nvGrpSpPr>
+        <p:cNvPr id="1" name=""/>
+        <p:cNvGrpSpPr/>
+        <p:nvPr/>
+      </p:nvGrpSpPr>
+      <p:grpSpPr>
+        <a:xfrm>
+          <a:off x="0" y="0"/>
+          <a:ext cx="0" cy="0"/>
+          <a:chOff x="0" y="0"/>
+          <a:chExt cx="0" cy="0"/>
+        </a:xfrm>
+      </p:grpSpPr>
+      <p:pic>
+        <p:nvPicPr>
+          <p:cNvPr id="2" name="Picture 1"/>
+          <p:cNvPicPr>
+            <a:picLocks noChangeAspect="1"/>
+          </p:cNvPicPr>
+          <p:nvPr/>
+        </p:nvPicPr>
+        <p:blipFill>
+          <a:blip r:embed="rId2"/>
+          <a:stretch>
+            <a:fillRect/>
+          </a:stretch>
+        </p:blipFill>
+        <p:spPr>
+          <a:xfrm>
+            <a:off x="4895273" y="943902"/>
+            <a:ext cx="7296727" cy="5466133"/>
+          </a:xfrm>
+          <a:prstGeom prst="rect">
+            <a:avLst/>
+          </a:prstGeom>
+        </p:spPr>
+      </p:pic>
+      <p:sp>
+        <p:nvSpPr>
+          <p:cNvPr id="3" name="Rectangle 2"/>
+          <p:cNvSpPr/>
+          <p:nvPr/>
+        </p:nvSpPr>
+        <p:spPr>
+          <a:xfrm>
+            <a:off x="406400" y="1517656"/>
+            <a:ext cx="4488873" cy="2308324"/>
+          </a:xfrm>
+          <a:prstGeom prst="rect">
+            <a:avLst/>
+          </a:prstGeom>
+        </p:spPr>
+        <p:txBody>
+          <a:bodyPr wrap="square">
+            <a:spAutoFit/>
+          </a:bodyPr>
+          <a:lstStyle/>
+          <a:p>
+            <a:r>
+              <a:rPr lang="en-US" b="1" dirty="0"/>
+              <a:t>Constructor Overloading in Java</a:t>
+            </a:r>
+          </a:p>
+          <a:p>
+            <a:r>
+              <a:rPr lang="en-US" b="1" dirty="0"/>
+              <a:t>Definition:</a:t>
+            </a:r>
+            <a:br>
+              <a:rPr lang="en-US" dirty="0"/>
+            </a:br>
+            <a:r>
+              <a:rPr lang="en-US" dirty="0"/>
+              <a:t>Constructor overloading in Java allows a class to have multiple constructors with different parameter lists. The appropriate constructor is selected based on the arguments passed during object creation.</a:t>
+            </a:r>
+          </a:p>
+        </p:txBody>
+      </p:sp>
+    </p:spTree>
+    <p:extLst>
+      <p:ext uri="{BB962C8B-B14F-4D97-AF65-F5344CB8AC3E}">
+        <p14:creationId xmlns:p14="http://schemas.microsoft.com/office/powerpoint/2010/main" val="371897541"/>
+      </p:ext>
+    </p:extLst>
+  </p:cSld>
+  <p:clrMapOvr>
+    <a:masterClrMapping/>
+  </p:clrMapOvr>
+</p:sld>
+</file>
+
+<file path=ppt/slides/slide14.xml><?xml version="1.0" encoding="utf-8"?>
+<p:sld xmlns:a="http://schemas.openxmlformats.org/drawingml/2006/main" xmlns:r="http://schemas.openxmlformats.org/officeDocument/2006/relationships" xmlns:p="http://schemas.openxmlformats.org/presentationml/2006/main">
+  <p:cSld>
+    <p:spTree>
+      <p:nvGrpSpPr>
+        <p:cNvPr id="1" name=""/>
+        <p:cNvGrpSpPr/>
+        <p:nvPr/>
+      </p:nvGrpSpPr>
+      <p:grpSpPr>
+        <a:xfrm>
+          <a:off x="0" y="0"/>
+          <a:ext cx="0" cy="0"/>
+          <a:chOff x="0" y="0"/>
+          <a:chExt cx="0" cy="0"/>
+        </a:xfrm>
+      </p:grpSpPr>
+      <p:sp>
+        <p:nvSpPr>
+          <p:cNvPr id="2" name="Rectangle 1"/>
+          <p:cNvSpPr/>
+          <p:nvPr/>
+        </p:nvSpPr>
+        <p:spPr>
+          <a:xfrm>
+            <a:off x="738909" y="2056712"/>
+            <a:ext cx="3731491" cy="3139321"/>
+          </a:xfrm>
+          <a:prstGeom prst="rect">
+            <a:avLst/>
+          </a:prstGeom>
+        </p:spPr>
+        <p:txBody>
+          <a:bodyPr wrap="square">
+            <a:spAutoFit/>
+          </a:bodyPr>
+          <a:lstStyle/>
+          <a:p>
+            <a:r>
+              <a:rPr lang="en-US" b="1" dirty="0"/>
+              <a:t>Use of this keyword:</a:t>
+            </a:r>
+          </a:p>
+          <a:p>
+            <a:r>
+              <a:rPr lang="en-US" dirty="0">
+                <a:solidFill>
+                  <a:schemeClr val="accent5"/>
+                </a:solidFill>
+              </a:rPr>
+              <a:t>this</a:t>
+            </a:r>
+            <a:r>
+              <a:rPr lang="en-US" dirty="0"/>
+              <a:t> keyword in Java refers to the current object of the class. It is used to refer to the current object's instance variables, methods, and constructors. </a:t>
+            </a:r>
+          </a:p>
+          <a:p>
+            <a:r>
+              <a:rPr lang="en-US" dirty="0"/>
+              <a:t>It is commonly used in constructors to distinguish between instance variables and parameters when they have the same name.</a:t>
+            </a:r>
+          </a:p>
+        </p:txBody>
+      </p:sp>
+      <p:pic>
+        <p:nvPicPr>
+          <p:cNvPr id="4" name="Picture 3"/>
+          <p:cNvPicPr>
+            <a:picLocks noChangeAspect="1"/>
+          </p:cNvPicPr>
+          <p:nvPr/>
+        </p:nvPicPr>
+        <p:blipFill>
+          <a:blip r:embed="rId2"/>
+          <a:stretch>
+            <a:fillRect/>
+          </a:stretch>
+        </p:blipFill>
+        <p:spPr>
+          <a:xfrm>
+            <a:off x="4603357" y="1378420"/>
+            <a:ext cx="7283842" cy="4495907"/>
+          </a:xfrm>
+          <a:prstGeom prst="rect">
+            <a:avLst/>
+          </a:prstGeom>
+        </p:spPr>
+      </p:pic>
+    </p:spTree>
+    <p:extLst>
+      <p:ext uri="{BB962C8B-B14F-4D97-AF65-F5344CB8AC3E}">
+        <p14:creationId xmlns:p14="http://schemas.microsoft.com/office/powerpoint/2010/main" val="3142178466"/>
+      </p:ext>
+    </p:extLst>
+  </p:cSld>
+  <p:clrMapOvr>
+    <a:masterClrMapping/>
+  </p:clrMapOvr>
+</p:sld>
+</file>
+
+<file path=ppt/slides/slide15.xml><?xml version="1.0" encoding="utf-8"?>
+<p:sld xmlns:a="http://schemas.openxmlformats.org/drawingml/2006/main" xmlns:r="http://schemas.openxmlformats.org/officeDocument/2006/relationships" xmlns:p="http://schemas.openxmlformats.org/presentationml/2006/main">
+  <p:cSld>
+    <p:spTree>
+      <p:nvGrpSpPr>
+        <p:cNvPr id="1" name=""/>
+        <p:cNvGrpSpPr/>
+        <p:nvPr/>
+      </p:nvGrpSpPr>
+      <p:grpSpPr>
+        <a:xfrm>
+          <a:off x="0" y="0"/>
+          <a:ext cx="0" cy="0"/>
+          <a:chOff x="0" y="0"/>
+          <a:chExt cx="0" cy="0"/>
+        </a:xfrm>
+      </p:grpSpPr>
+      <p:pic>
+        <p:nvPicPr>
+          <p:cNvPr id="2" name="Picture 1"/>
+          <p:cNvPicPr>
+            <a:picLocks noChangeAspect="1"/>
+          </p:cNvPicPr>
+          <p:nvPr/>
+        </p:nvPicPr>
+        <p:blipFill>
+          <a:blip r:embed="rId2"/>
+          <a:stretch>
+            <a:fillRect/>
+          </a:stretch>
+        </p:blipFill>
+        <p:spPr>
+          <a:xfrm>
+            <a:off x="5771709" y="1371773"/>
+            <a:ext cx="5950256" cy="4502381"/>
+          </a:xfrm>
+          <a:prstGeom prst="rect">
+            <a:avLst/>
+          </a:prstGeom>
+        </p:spPr>
+      </p:pic>
+      <p:sp>
+        <p:nvSpPr>
+          <p:cNvPr id="3" name="Rectangle 1"/>
+          <p:cNvSpPr>
+            <a:spLocks noChangeArrowheads="1"/>
+          </p:cNvSpPr>
+          <p:nvPr/>
+        </p:nvSpPr>
+        <p:spPr bwMode="auto">
+          <a:xfrm>
+            <a:off x="498765" y="2062586"/>
+            <a:ext cx="5061527" cy="3416320"/>
+          </a:xfrm>
+          <a:prstGeom prst="rect">
+            <a:avLst/>
+          </a:prstGeom>
+          <a:noFill/>
+          <a:ln>
+            <a:noFill/>
+          </a:ln>
+          <a:effectLst/>
+          <a:extLst>
+            <a:ext uri="{909E8E84-426E-40DD-AFC4-6F175D3DCCD1}">
+              <a14:hiddenFill xmlns:a14="http://schemas.microsoft.com/office/drawing/2010/main">
+                <a:solidFill>
+                  <a:schemeClr val="accent1"/>
+                </a:solidFill>
+              </a14:hiddenFill>
+            </a:ext>
+            <a:ext uri="{91240B29-F687-4F45-9708-019B960494DF}">
+              <a14:hiddenLine xmlns:a14="http://schemas.microsoft.com/office/drawing/2010/main" w="9525">
+                <a:solidFill>
+                  <a:schemeClr val="tx1"/>
+                </a:solidFill>
+                <a:miter lim="800000"/>
+                <a:headEnd/>
+                <a:tailEnd/>
+              </a14:hiddenLine>
+            </a:ext>
+            <a:ext uri="{AF507438-7753-43E0-B8FC-AC1667EBCBE1}">
+              <a14:hiddenEffects xmlns:a14="http://schemas.microsoft.com/office/drawing/2010/main">
+                <a:effectLst>
+                  <a:outerShdw dist="35921" dir="2700000" algn="ctr" rotWithShape="0">
+                    <a:schemeClr val="bg2"/>
+                  </a:outerShdw>
+                </a:effectLst>
+              </a14:hiddenEffects>
+            </a:ext>
+          </a:extLst>
+        </p:spPr>
+        <p:txBody>
+          <a:bodyPr vert="horz" wrap="square" lIns="91440" tIns="45720" rIns="91440" bIns="45720" numCol="1" anchor="ctr" anchorCtr="0" compatLnSpc="1">
+            <a:prstTxWarp prst="textNoShape">
+              <a:avLst/>
+            </a:prstTxWarp>
+            <a:spAutoFit/>
+          </a:bodyPr>
+          <a:lstStyle/>
           <a:p>
             <a:pPr marL="0" marR="0" lvl="0" indent="0" algn="l" defTabSz="914400" rtl="0" eaLnBrk="0" fontAlgn="base" latinLnBrk="0" hangingPunct="0">
               <a:lnSpc>
@@ -5946,7 +6893,19 @@
               <a:tabLst/>
             </a:pPr>
             <a:r>
-              <a:rPr kumimoji="0" lang="en-US" altLang="en-US" sz="1800" b="0" i="0" u="none" strike="noStrike" cap="none" normalizeH="0" baseline="0" dirty="0" smtClean="0">
+              <a:rPr lang="en-US" altLang="en-US" b="1" dirty="0">
+                <a:latin typeface="Arial" panose="020B0604020202020204" pitchFamily="34" charset="0"/>
+              </a:rPr>
+              <a:t> this() </a:t>
+            </a:r>
+            <a:r>
+              <a:rPr lang="en-US" altLang="en-US" dirty="0">
+                <a:latin typeface="Arial" panose="020B0604020202020204" pitchFamily="34" charset="0"/>
+              </a:rPr>
+              <a:t>must be the </a:t>
+            </a:r>
+            <a:r>
+              <a:rPr kumimoji="0" lang="en-US" altLang="en-US" sz="1800" i="0" u="none" strike="noStrike" cap="none" normalizeH="0" baseline="0" dirty="0">
                 <a:ln>
                   <a:noFill/>
                 </a:ln>
@@ -5956,10 +6915,10 @@
                 <a:effectLst/>
                 <a:latin typeface="Arial" panose="020B0604020202020204" pitchFamily="34" charset="0"/>
               </a:rPr>
-              <a:t>Helps in </a:t>
-            </a:r>
-            <a:r>
-              <a:rPr kumimoji="0" lang="en-US" altLang="en-US" sz="1800" b="1" i="0" u="none" strike="noStrike" cap="none" normalizeH="0" baseline="0" dirty="0" smtClean="0">
+              <a:t>first statement </a:t>
+            </a:r>
+            <a:r>
+              <a:rPr kumimoji="0" lang="en-US" altLang="en-US" sz="1800" b="0" i="0" u="none" strike="noStrike" cap="none" normalizeH="0" baseline="0" dirty="0">
                 <a:ln>
                   <a:noFill/>
                 </a:ln>
@@ -5969,87 +6928,8 @@
                 <a:effectLst/>
                 <a:latin typeface="Arial" panose="020B0604020202020204" pitchFamily="34" charset="0"/>
               </a:rPr>
-              <a:t>constructor chaining</a:t>
-            </a:r>
-            <a:r>
-              <a:rPr kumimoji="0" lang="en-US" altLang="en-US" sz="1800" b="0" i="0" u="none" strike="noStrike" cap="none" normalizeH="0" baseline="0" dirty="0" smtClean="0">
-                <a:ln>
-                  <a:noFill/>
-                </a:ln>
-                <a:solidFill>
-                  <a:schemeClr val="tx1"/>
-                </a:solidFill>
-                <a:effectLst/>
-                <a:latin typeface="Arial" panose="020B0604020202020204" pitchFamily="34" charset="0"/>
-              </a:rPr>
-              <a:t> within the same class.</a:t>
-            </a:r>
-          </a:p>
-          <a:p>
-            <a:pPr lvl="0" defTabSz="914400" eaLnBrk="0" fontAlgn="base" hangingPunct="0">
-              <a:spcBef>
-                <a:spcPct val="0"/>
-              </a:spcBef>
-              <a:spcAft>
-                <a:spcPct val="0"/>
-              </a:spcAft>
-            </a:pPr>
-            <a:endParaRPr lang="en-US" b="1" dirty="0" smtClean="0"/>
-          </a:p>
-          <a:p>
-            <a:pPr lvl="0" defTabSz="914400" eaLnBrk="0" fontAlgn="base" hangingPunct="0">
-              <a:spcBef>
-                <a:spcPct val="0"/>
-              </a:spcBef>
-              <a:spcAft>
-                <a:spcPct val="0"/>
-              </a:spcAft>
-            </a:pPr>
-            <a:endParaRPr lang="en-US" b="1" dirty="0"/>
-          </a:p>
-          <a:p>
-            <a:pPr lvl="0" defTabSz="914400" eaLnBrk="0" fontAlgn="base" hangingPunct="0">
-              <a:spcBef>
-                <a:spcPct val="0"/>
-              </a:spcBef>
-              <a:spcAft>
-                <a:spcPct val="0"/>
-              </a:spcAft>
-            </a:pPr>
-            <a:r>
-              <a:rPr lang="en-US" b="1" dirty="0" smtClean="0"/>
-              <a:t>Constructor </a:t>
-            </a:r>
-            <a:r>
-              <a:rPr lang="en-US" b="1" dirty="0"/>
-              <a:t>chaining </a:t>
-            </a:r>
-            <a:r>
-              <a:rPr lang="en-US" dirty="0"/>
-              <a:t>is the process of calling one constructor from another constructor within the same class or from a parent class </a:t>
-            </a:r>
-            <a:r>
-              <a:rPr lang="en-US" dirty="0" smtClean="0"/>
-              <a:t>using </a:t>
-            </a:r>
-            <a:r>
-              <a:rPr lang="en-US" b="1" dirty="0" smtClean="0"/>
-              <a:t>this(). </a:t>
-            </a:r>
-            <a:r>
-              <a:rPr lang="en-US" dirty="0"/>
-              <a:t>It helps reduce code duplication and improves reusability.</a:t>
-            </a:r>
-            <a:endParaRPr kumimoji="0" lang="en-US" altLang="en-US" sz="1800" b="1" i="0" u="none" strike="noStrike" cap="none" normalizeH="0" baseline="0" dirty="0" smtClean="0">
-              <a:ln>
-                <a:noFill/>
-              </a:ln>
-              <a:solidFill>
-                <a:schemeClr val="tx1"/>
-              </a:solidFill>
-              <a:effectLst/>
-              <a:latin typeface="Arial" panose="020B0604020202020204" pitchFamily="34" charset="0"/>
-            </a:endParaRPr>
+              <a:t>in a constructor.</a:t>
+            </a:r>
           </a:p>
           <a:p>
             <a:pPr marL="0" marR="0" lvl="0" indent="0" algn="l" defTabSz="914400" rtl="0" eaLnBrk="0" fontAlgn="base" latinLnBrk="0" hangingPunct="0">
@@ -6065,10 +6945,125 @@
               <a:buClrTx/>
               <a:buSzTx/>
               <a:buFontTx/>
-              <a:buNone/>
+              <a:buChar char="•"/>
               <a:tabLst/>
             </a:pPr>
-            <a:endParaRPr kumimoji="0" lang="en-US" altLang="en-US" sz="1800" b="0" i="0" u="none" strike="noStrike" cap="none" normalizeH="0" baseline="0" dirty="0" smtClean="0">
+            <a:r>
+              <a:rPr kumimoji="0" lang="en-US" altLang="en-US" sz="1800" b="0" i="0" u="none" strike="noStrike" cap="none" normalizeH="0" baseline="0" dirty="0">
+                <a:ln>
+                  <a:noFill/>
+                </a:ln>
+                <a:solidFill>
+                  <a:schemeClr val="tx1"/>
+                </a:solidFill>
+                <a:effectLst/>
+                <a:latin typeface="Arial" panose="020B0604020202020204" pitchFamily="34" charset="0"/>
+              </a:rPr>
+              <a:t>Helps in </a:t>
+            </a:r>
+            <a:r>
+              <a:rPr kumimoji="0" lang="en-US" altLang="en-US" sz="1800" b="1" i="0" u="none" strike="noStrike" cap="none" normalizeH="0" baseline="0" dirty="0">
+                <a:ln>
+                  <a:noFill/>
+                </a:ln>
+                <a:solidFill>
+                  <a:schemeClr val="tx1"/>
+                </a:solidFill>
+                <a:effectLst/>
+                <a:latin typeface="Arial" panose="020B0604020202020204" pitchFamily="34" charset="0"/>
+              </a:rPr>
+              <a:t>constructor chaining</a:t>
+            </a:r>
+            <a:r>
+              <a:rPr kumimoji="0" lang="en-US" altLang="en-US" sz="1800" b="0" i="0" u="none" strike="noStrike" cap="none" normalizeH="0" baseline="0" dirty="0">
+                <a:ln>
+                  <a:noFill/>
+                </a:ln>
+                <a:solidFill>
+                  <a:schemeClr val="tx1"/>
+                </a:solidFill>
+                <a:effectLst/>
+                <a:latin typeface="Arial" panose="020B0604020202020204" pitchFamily="34" charset="0"/>
+              </a:rPr>
+              <a:t> within the same class.</a:t>
+            </a:r>
+          </a:p>
+          <a:p>
+            <a:pPr lvl="0" defTabSz="914400" eaLnBrk="0" fontAlgn="base" hangingPunct="0">
+              <a:spcBef>
+                <a:spcPct val="0"/>
+              </a:spcBef>
+              <a:spcAft>
+                <a:spcPct val="0"/>
+              </a:spcAft>
+            </a:pPr>
+            <a:endParaRPr lang="en-US" b="1" dirty="0"/>
+          </a:p>
+          <a:p>
+            <a:pPr lvl="0" defTabSz="914400" eaLnBrk="0" fontAlgn="base" hangingPunct="0">
+              <a:spcBef>
+                <a:spcPct val="0"/>
+              </a:spcBef>
+              <a:spcAft>
+                <a:spcPct val="0"/>
+              </a:spcAft>
+            </a:pPr>
+            <a:endParaRPr lang="en-US" b="1" dirty="0"/>
+          </a:p>
+          <a:p>
+            <a:pPr lvl="0" defTabSz="914400" eaLnBrk="0" fontAlgn="base" hangingPunct="0">
+              <a:spcBef>
+                <a:spcPct val="0"/>
+              </a:spcBef>
+              <a:spcAft>
+                <a:spcPct val="0"/>
+              </a:spcAft>
+            </a:pPr>
+            <a:r>
+              <a:rPr lang="en-US" b="1" dirty="0"/>
+              <a:t>Constructor chaining </a:t>
+            </a:r>
+            <a:r>
+              <a:rPr lang="en-US" dirty="0"/>
+              <a:t>is the process of calling one constructor from another constructor within the same class or from a parent class using </a:t>
+            </a:r>
+            <a:r>
+              <a:rPr lang="en-US" b="1" dirty="0"/>
+              <a:t>this(). </a:t>
+            </a:r>
+            <a:r>
+              <a:rPr lang="en-US" dirty="0"/>
+              <a:t>It helps reduce code duplication and improves reusability.</a:t>
+            </a:r>
+            <a:endParaRPr kumimoji="0" lang="en-US" altLang="en-US" sz="1800" b="1" i="0" u="none" strike="noStrike" cap="none" normalizeH="0" baseline="0" dirty="0">
+              <a:ln>
+                <a:noFill/>
+              </a:ln>
+              <a:solidFill>
+                <a:schemeClr val="tx1"/>
+              </a:solidFill>
+              <a:effectLst/>
+              <a:latin typeface="Arial" panose="020B0604020202020204" pitchFamily="34" charset="0"/>
+            </a:endParaRPr>
+          </a:p>
+          <a:p>
+            <a:pPr marL="0" marR="0" lvl="0" indent="0" algn="l" defTabSz="914400" rtl="0" eaLnBrk="0" fontAlgn="base" latinLnBrk="0" hangingPunct="0">
+              <a:lnSpc>
+                <a:spcPct val="100000"/>
+              </a:lnSpc>
+              <a:spcBef>
+                <a:spcPct val="0"/>
+              </a:spcBef>
+              <a:spcAft>
+                <a:spcPct val="0"/>
+              </a:spcAft>
+              <a:buClrTx/>
+              <a:buSzTx/>
+              <a:buFontTx/>
+              <a:buNone/>
+              <a:tabLst/>
+            </a:pPr>
+            <a:endParaRPr kumimoji="0" lang="en-US" altLang="en-US" sz="1800" b="0" i="0" u="none" strike="noStrike" cap="none" normalizeH="0" baseline="0" dirty="0">
               <a:ln>
                 <a:noFill/>
               </a:ln>
@@ -6094,7 +7089,7 @@
 </p:sld>
 </file>
 
-<file path=ppt/slides/slide11.xml><?xml version="1.0" encoding="utf-8"?>
+<file path=ppt/slides/slide16.xml><?xml version="1.0" encoding="utf-8"?>
 <p:sld xmlns:a="http://schemas.openxmlformats.org/drawingml/2006/main" xmlns:r="http://schemas.openxmlformats.org/officeDocument/2006/relationships" xmlns:p="http://schemas.openxmlformats.org/presentationml/2006/main">
   <p:cSld>
     <p:spTree>
@@ -6215,22 +7210,18 @@
             </a:pPr>
             <a:r>
               <a:rPr lang="en-US" dirty="0"/>
-              <a:t>It defines attributes (variables) and behaviors (methods</a:t>
-            </a:r>
-            <a:r>
-              <a:rPr lang="en-US" dirty="0" smtClean="0"/>
-              <a:t>).</a:t>
-            </a:r>
-          </a:p>
-          <a:p>
-            <a:endParaRPr lang="en-US" dirty="0" smtClean="0"/>
-          </a:p>
-          <a:p>
-            <a:endParaRPr lang="en-US" dirty="0"/>
-          </a:p>
-          <a:p>
-            <a:r>
-              <a:rPr lang="en-US" dirty="0" smtClean="0"/>
+              <a:t>It defines attributes (variables) and behaviors (methods).</a:t>
+            </a:r>
+          </a:p>
+          <a:p>
+            <a:endParaRPr lang="en-US" dirty="0"/>
+          </a:p>
+          <a:p>
+            <a:endParaRPr lang="en-US" dirty="0"/>
+          </a:p>
+          <a:p>
+            <a:r>
+              <a:rPr lang="en-US" dirty="0"/>
               <a:t>Example:</a:t>
             </a:r>
           </a:p>
@@ -6239,7 +7230,7 @@
               <a:buFont typeface="Arial" panose="020B0604020202020204" pitchFamily="34" charset="0"/>
               <a:buChar char="•"/>
             </a:pPr>
-            <a:endParaRPr lang="en-US" dirty="0" smtClean="0"/>
+            <a:endParaRPr lang="en-US" dirty="0"/>
           </a:p>
         </p:txBody>
       </p:sp>
@@ -6299,14 +7290,14 @@
       </p:grpSpPr>
       <p:sp>
         <p:nvSpPr>
-          <p:cNvPr id="2" name="Rectangle 1"/>
+          <p:cNvPr id="3" name="Rectangle 2"/>
           <p:cNvSpPr/>
           <p:nvPr/>
         </p:nvSpPr>
         <p:spPr>
           <a:xfrm>
-            <a:off x="1089890" y="1351017"/>
-            <a:ext cx="9938328" cy="1754326"/>
+            <a:off x="1173017" y="1332499"/>
+            <a:ext cx="8903855" cy="1200329"/>
           </a:xfrm>
           <a:prstGeom prst="rect">
             <a:avLst/>
@@ -6320,51 +7311,30 @@
           <a:p>
             <a:r>
               <a:rPr lang="en-US" b="1" dirty="0"/>
-              <a:t>What is an Object?</a:t>
-            </a:r>
-            <a:endParaRPr lang="en-US" dirty="0"/>
-          </a:p>
-          <a:p>
-            <a:pPr>
-              <a:buFont typeface="Arial" panose="020B0604020202020204" pitchFamily="34" charset="0"/>
-              <a:buChar char="•"/>
-            </a:pPr>
+              <a:t>Creating a Class in Java</a:t>
+            </a:r>
+            <a:endParaRPr lang="en-US" dirty="0"/>
+          </a:p>
+          <a:p>
             <a:r>
               <a:rPr lang="en-US" dirty="0"/>
-              <a:t>An object is an instance of a class.</a:t>
-            </a:r>
-          </a:p>
-          <a:p>
-            <a:pPr>
-              <a:buFont typeface="Arial" panose="020B0604020202020204" pitchFamily="34" charset="0"/>
-              <a:buChar char="•"/>
-            </a:pPr>
+              <a:t>Define a class with attributes and methods.</a:t>
+            </a:r>
+          </a:p>
+          <a:p>
+            <a:endParaRPr lang="en-US" dirty="0"/>
+          </a:p>
+          <a:p>
             <a:r>
               <a:rPr lang="en-US" dirty="0"/>
-              <a:t>It holds actual values and can invoke methods.</a:t>
-            </a:r>
-          </a:p>
-          <a:p>
-            <a:endParaRPr lang="en-US" dirty="0"/>
-          </a:p>
-          <a:p>
-            <a:endParaRPr lang="en-US" dirty="0" smtClean="0"/>
-          </a:p>
-          <a:p>
-            <a:r>
-              <a:rPr lang="en-US" dirty="0" smtClean="0"/>
-              <a:t>Example</a:t>
-            </a:r>
-            <a:r>
-              <a:rPr lang="en-US" dirty="0"/>
-              <a:t>:</a:t>
+              <a:t>Example:</a:t>
             </a:r>
           </a:p>
         </p:txBody>
       </p:sp>
       <p:pic>
         <p:nvPicPr>
-          <p:cNvPr id="3" name="Picture 2"/>
+          <p:cNvPr id="4" name="Picture 3"/>
           <p:cNvPicPr>
             <a:picLocks noChangeAspect="1"/>
           </p:cNvPicPr>
@@ -6378,8 +7348,8 @@
         </p:blipFill>
         <p:spPr>
           <a:xfrm>
-            <a:off x="2737087" y="3110338"/>
-            <a:ext cx="5785424" cy="870535"/>
+            <a:off x="1962841" y="2591913"/>
+            <a:ext cx="8517200" cy="2007796"/>
           </a:xfrm>
           <a:prstGeom prst="rect">
             <a:avLst/>
@@ -6389,7 +7359,7 @@
     </p:spTree>
     <p:extLst>
       <p:ext uri="{BB962C8B-B14F-4D97-AF65-F5344CB8AC3E}">
-        <p14:creationId xmlns:p14="http://schemas.microsoft.com/office/powerpoint/2010/main" val="3457904260"/>
+        <p14:creationId xmlns:p14="http://schemas.microsoft.com/office/powerpoint/2010/main" val="1409697579"/>
       </p:ext>
     </p:extLst>
   </p:cSld>
@@ -6400,6 +7370,248 @@
 </file>
 
 <file path=ppt/slides/slide4.xml><?xml version="1.0" encoding="utf-8"?>
+<p:sld xmlns:a="http://schemas.openxmlformats.org/drawingml/2006/main" xmlns:r="http://schemas.openxmlformats.org/officeDocument/2006/relationships" xmlns:p="http://schemas.openxmlformats.org/presentationml/2006/main">
+  <p:cSld>
+    <p:spTree>
+      <p:nvGrpSpPr>
+        <p:cNvPr id="1" name="">
+          <a:extLst>
+            <a:ext uri="{FF2B5EF4-FFF2-40B4-BE49-F238E27FC236}">
+              <a16:creationId xmlns:a16="http://schemas.microsoft.com/office/drawing/2014/main" id="{BFB055D3-D8CF-3D20-01C1-770CB71B2F2B}"/>
+            </a:ext>
+          </a:extLst>
+        </p:cNvPr>
+        <p:cNvGrpSpPr/>
+        <p:nvPr/>
+      </p:nvGrpSpPr>
+      <p:grpSpPr>
+        <a:xfrm>
+          <a:off x="0" y="0"/>
+          <a:ext cx="0" cy="0"/>
+          <a:chOff x="0" y="0"/>
+          <a:chExt cx="0" cy="0"/>
+        </a:xfrm>
+      </p:grpSpPr>
+      <p:sp>
+        <p:nvSpPr>
+          <p:cNvPr id="3" name="Rectangle 2">
+            <a:extLst>
+              <a:ext uri="{FF2B5EF4-FFF2-40B4-BE49-F238E27FC236}">
+                <a16:creationId xmlns:a16="http://schemas.microsoft.com/office/drawing/2014/main" id="{400906CC-9219-C9B7-C520-7BAAFBA48588}"/>
+              </a:ext>
+            </a:extLst>
+          </p:cNvPr>
+          <p:cNvSpPr/>
+          <p:nvPr/>
+        </p:nvSpPr>
+        <p:spPr>
+          <a:xfrm>
+            <a:off x="1173017" y="1332499"/>
+            <a:ext cx="8903855" cy="1754326"/>
+          </a:xfrm>
+          <a:prstGeom prst="rect">
+            <a:avLst/>
+          </a:prstGeom>
+        </p:spPr>
+        <p:txBody>
+          <a:bodyPr wrap="square">
+            <a:spAutoFit/>
+          </a:bodyPr>
+          <a:lstStyle/>
+          <a:p>
+            <a:r>
+              <a:rPr lang="en-US" b="1" dirty="0"/>
+              <a:t>Attributes / Fields / Instance Variables</a:t>
+            </a:r>
+          </a:p>
+          <a:p>
+            <a:endParaRPr lang="en-US" dirty="0"/>
+          </a:p>
+          <a:p>
+            <a:r>
+              <a:rPr lang="en-US" dirty="0"/>
+              <a:t>A variable which is created inside the class but outside the method is known as an instance variable.</a:t>
+            </a:r>
+          </a:p>
+          <a:p>
+            <a:endParaRPr lang="en-US" dirty="0"/>
+          </a:p>
+          <a:p>
+            <a:r>
+              <a:rPr lang="en-US" dirty="0"/>
+              <a:t>Example:</a:t>
+            </a:r>
+          </a:p>
+        </p:txBody>
+      </p:sp>
+      <p:pic>
+        <p:nvPicPr>
+          <p:cNvPr id="5" name="Picture 4">
+            <a:extLst>
+              <a:ext uri="{FF2B5EF4-FFF2-40B4-BE49-F238E27FC236}">
+                <a16:creationId xmlns:a16="http://schemas.microsoft.com/office/drawing/2014/main" id="{4F67F7DD-575C-52FB-3835-99458DA27069}"/>
+              </a:ext>
+            </a:extLst>
+          </p:cNvPr>
+          <p:cNvPicPr>
+            <a:picLocks noChangeAspect="1"/>
+          </p:cNvPicPr>
+          <p:nvPr/>
+        </p:nvPicPr>
+        <p:blipFill>
+          <a:blip r:embed="rId2"/>
+          <a:stretch>
+            <a:fillRect/>
+          </a:stretch>
+        </p:blipFill>
+        <p:spPr>
+          <a:xfrm>
+            <a:off x="1039669" y="3541134"/>
+            <a:ext cx="6362700" cy="1438275"/>
+          </a:xfrm>
+          <a:prstGeom prst="rect">
+            <a:avLst/>
+          </a:prstGeom>
+        </p:spPr>
+      </p:pic>
+    </p:spTree>
+    <p:extLst>
+      <p:ext uri="{BB962C8B-B14F-4D97-AF65-F5344CB8AC3E}">
+        <p14:creationId xmlns:p14="http://schemas.microsoft.com/office/powerpoint/2010/main" val="236585997"/>
+      </p:ext>
+    </p:extLst>
+  </p:cSld>
+  <p:clrMapOvr>
+    <a:masterClrMapping/>
+  </p:clrMapOvr>
+</p:sld>
+</file>
+
+<file path=ppt/slides/slide5.xml><?xml version="1.0" encoding="utf-8"?>
+<p:sld xmlns:a="http://schemas.openxmlformats.org/drawingml/2006/main" xmlns:r="http://schemas.openxmlformats.org/officeDocument/2006/relationships" xmlns:p="http://schemas.openxmlformats.org/presentationml/2006/main">
+  <p:cSld>
+    <p:spTree>
+      <p:nvGrpSpPr>
+        <p:cNvPr id="1" name="">
+          <a:extLst>
+            <a:ext uri="{FF2B5EF4-FFF2-40B4-BE49-F238E27FC236}">
+              <a16:creationId xmlns:a16="http://schemas.microsoft.com/office/drawing/2014/main" id="{8F26AB86-1572-1DB1-2972-FD02B3C9DA1A}"/>
+            </a:ext>
+          </a:extLst>
+        </p:cNvPr>
+        <p:cNvGrpSpPr/>
+        <p:nvPr/>
+      </p:nvGrpSpPr>
+      <p:grpSpPr>
+        <a:xfrm>
+          <a:off x="0" y="0"/>
+          <a:ext cx="0" cy="0"/>
+          <a:chOff x="0" y="0"/>
+          <a:chExt cx="0" cy="0"/>
+        </a:xfrm>
+      </p:grpSpPr>
+      <p:sp>
+        <p:nvSpPr>
+          <p:cNvPr id="3" name="Rectangle 2">
+            <a:extLst>
+              <a:ext uri="{FF2B5EF4-FFF2-40B4-BE49-F238E27FC236}">
+                <a16:creationId xmlns:a16="http://schemas.microsoft.com/office/drawing/2014/main" id="{57CB2BF1-36D4-4AF7-B25C-3F810B519F26}"/>
+              </a:ext>
+            </a:extLst>
+          </p:cNvPr>
+          <p:cNvSpPr/>
+          <p:nvPr/>
+        </p:nvSpPr>
+        <p:spPr>
+          <a:xfrm>
+            <a:off x="1173017" y="1332499"/>
+            <a:ext cx="8903855" cy="1754326"/>
+          </a:xfrm>
+          <a:prstGeom prst="rect">
+            <a:avLst/>
+          </a:prstGeom>
+        </p:spPr>
+        <p:txBody>
+          <a:bodyPr wrap="square">
+            <a:spAutoFit/>
+          </a:bodyPr>
+          <a:lstStyle/>
+          <a:p>
+            <a:r>
+              <a:rPr lang="en-US" b="1" dirty="0"/>
+              <a:t>Methods</a:t>
+            </a:r>
+          </a:p>
+          <a:p>
+            <a:endParaRPr lang="en-US" dirty="0"/>
+          </a:p>
+          <a:p>
+            <a:r>
+              <a:rPr lang="en-US" dirty="0"/>
+              <a:t>In Java, a method is like a function which is used to expose the behavior of an</a:t>
+            </a:r>
+          </a:p>
+          <a:p>
+            <a:r>
+              <a:rPr lang="en-US" dirty="0"/>
+              <a:t>object.</a:t>
+            </a:r>
+          </a:p>
+          <a:p>
+            <a:endParaRPr lang="en-US" dirty="0"/>
+          </a:p>
+          <a:p>
+            <a:r>
+              <a:rPr lang="en-US" dirty="0"/>
+              <a:t>Example:</a:t>
+            </a:r>
+          </a:p>
+        </p:txBody>
+      </p:sp>
+      <p:pic>
+        <p:nvPicPr>
+          <p:cNvPr id="4" name="Picture 3">
+            <a:extLst>
+              <a:ext uri="{FF2B5EF4-FFF2-40B4-BE49-F238E27FC236}">
+                <a16:creationId xmlns:a16="http://schemas.microsoft.com/office/drawing/2014/main" id="{783991CC-67B8-C898-9055-FB8B2F9BDD9F}"/>
+              </a:ext>
+            </a:extLst>
+          </p:cNvPr>
+          <p:cNvPicPr>
+            <a:picLocks noChangeAspect="1"/>
+          </p:cNvPicPr>
+          <p:nvPr/>
+        </p:nvPicPr>
+        <p:blipFill>
+          <a:blip r:embed="rId2"/>
+          <a:stretch>
+            <a:fillRect/>
+          </a:stretch>
+        </p:blipFill>
+        <p:spPr>
+          <a:xfrm>
+            <a:off x="1173017" y="3114675"/>
+            <a:ext cx="9448800" cy="3743325"/>
+          </a:xfrm>
+          <a:prstGeom prst="rect">
+            <a:avLst/>
+          </a:prstGeom>
+        </p:spPr>
+      </p:pic>
+    </p:spTree>
+    <p:extLst>
+      <p:ext uri="{BB962C8B-B14F-4D97-AF65-F5344CB8AC3E}">
+        <p14:creationId xmlns:p14="http://schemas.microsoft.com/office/powerpoint/2010/main" val="3175196750"/>
+      </p:ext>
+    </p:extLst>
+  </p:cSld>
+  <p:clrMapOvr>
+    <a:masterClrMapping/>
+  </p:clrMapOvr>
+</p:sld>
+</file>
+
+<file path=ppt/slides/slide6.xml><?xml version="1.0" encoding="utf-8"?>
 <p:sld xmlns:a="http://schemas.openxmlformats.org/drawingml/2006/main" xmlns:r="http://schemas.openxmlformats.org/officeDocument/2006/relationships" xmlns:p="http://schemas.openxmlformats.org/presentationml/2006/main">
   <p:cSld>
     <p:spTree>
@@ -6418,14 +7630,14 @@
       </p:grpSpPr>
       <p:sp>
         <p:nvSpPr>
-          <p:cNvPr id="3" name="Rectangle 2"/>
+          <p:cNvPr id="2" name="Rectangle 1"/>
           <p:cNvSpPr/>
           <p:nvPr/>
         </p:nvSpPr>
         <p:spPr>
           <a:xfrm>
-            <a:off x="1173017" y="1332499"/>
-            <a:ext cx="8903855" cy="1200329"/>
+            <a:off x="1089890" y="1351017"/>
+            <a:ext cx="9938328" cy="1754326"/>
           </a:xfrm>
           <a:prstGeom prst="rect">
             <a:avLst/>
@@ -6439,34 +7651,47 @@
           <a:p>
             <a:r>
               <a:rPr lang="en-US" b="1" dirty="0"/>
-              <a:t>Creating a Class in Java</a:t>
-            </a:r>
-            <a:endParaRPr lang="en-US" dirty="0"/>
-          </a:p>
-          <a:p>
+              <a:t>What is an Object?</a:t>
+            </a:r>
+            <a:endParaRPr lang="en-US" dirty="0"/>
+          </a:p>
+          <a:p>
+            <a:pPr>
+              <a:buFont typeface="Arial" panose="020B0604020202020204" pitchFamily="34" charset="0"/>
+              <a:buChar char="•"/>
+            </a:pPr>
             <a:r>
               <a:rPr lang="en-US" dirty="0"/>
-              <a:t>Define a class with attributes and methods.</a:t>
-            </a:r>
-          </a:p>
-          <a:p>
-            <a:endParaRPr lang="en-US" dirty="0" smtClean="0"/>
-          </a:p>
-          <a:p>
-            <a:r>
-              <a:rPr lang="en-US" dirty="0" smtClean="0"/>
-              <a:t>Example</a:t>
-            </a:r>
+              <a:t>An object is an instance of a class.</a:t>
+            </a:r>
+          </a:p>
+          <a:p>
+            <a:pPr>
+              <a:buFont typeface="Arial" panose="020B0604020202020204" pitchFamily="34" charset="0"/>
+              <a:buChar char="•"/>
+            </a:pPr>
             <a:r>
               <a:rPr lang="en-US" dirty="0"/>
-              <a:t>:</a:t>
+              <a:t>It holds actual values and can invoke methods.</a:t>
+            </a:r>
+          </a:p>
+          <a:p>
+            <a:endParaRPr lang="en-US" dirty="0"/>
+          </a:p>
+          <a:p>
+            <a:endParaRPr lang="en-US" dirty="0"/>
+          </a:p>
+          <a:p>
+            <a:r>
+              <a:rPr lang="en-US" dirty="0"/>
+              <a:t>Example:</a:t>
             </a:r>
           </a:p>
         </p:txBody>
       </p:sp>
       <p:pic>
         <p:nvPicPr>
-          <p:cNvPr id="4" name="Picture 3"/>
+          <p:cNvPr id="3" name="Picture 2"/>
           <p:cNvPicPr>
             <a:picLocks noChangeAspect="1"/>
           </p:cNvPicPr>
@@ -6480,8 +7705,8 @@
         </p:blipFill>
         <p:spPr>
           <a:xfrm>
-            <a:off x="1962841" y="2591913"/>
-            <a:ext cx="8517200" cy="2007796"/>
+            <a:off x="2737087" y="3110338"/>
+            <a:ext cx="5785424" cy="870535"/>
           </a:xfrm>
           <a:prstGeom prst="rect">
             <a:avLst/>
@@ -6491,7 +7716,7 @@
     </p:spTree>
     <p:extLst>
       <p:ext uri="{BB962C8B-B14F-4D97-AF65-F5344CB8AC3E}">
-        <p14:creationId xmlns:p14="http://schemas.microsoft.com/office/powerpoint/2010/main" val="1409697579"/>
+        <p14:creationId xmlns:p14="http://schemas.microsoft.com/office/powerpoint/2010/main" val="3457904260"/>
       </p:ext>
     </p:extLst>
   </p:cSld>
@@ -6501,7 +7726,7 @@
 </p:sld>
 </file>
 
-<file path=ppt/slides/slide5.xml><?xml version="1.0" encoding="utf-8"?>
+<file path=ppt/slides/slide7.xml><?xml version="1.0" encoding="utf-8"?>
 <p:sld xmlns:a="http://schemas.openxmlformats.org/drawingml/2006/main" xmlns:r="http://schemas.openxmlformats.org/officeDocument/2006/relationships" xmlns:p="http://schemas.openxmlformats.org/presentationml/2006/main">
   <p:cSld>
     <p:spTree>
@@ -6528,8 +7753,8 @@
         </p:nvSpPr>
         <p:spPr bwMode="auto">
           <a:xfrm>
-            <a:off x="646545" y="1373249"/>
-            <a:ext cx="4727576" cy="923330"/>
+            <a:off x="646545" y="1234750"/>
+            <a:ext cx="4727576" cy="1200329"/>
           </a:xfrm>
           <a:prstGeom prst="rect">
             <a:avLst/>
@@ -6593,8 +7818,36 @@
               <a:buNone/>
               <a:tabLst/>
             </a:pPr>
-            <a:r>
-              <a:rPr kumimoji="0" lang="en-US" altLang="en-US" sz="1800" b="1" i="0" u="none" strike="noStrike" cap="none" normalizeH="0" baseline="0" dirty="0" smtClean="0">
+            <a:endParaRPr kumimoji="0" lang="en-US" altLang="en-US" sz="1800" b="1" i="0" u="none" strike="noStrike" cap="none" normalizeH="0" baseline="0" dirty="0">
+              <a:ln>
+                <a:noFill/>
+              </a:ln>
+              <a:solidFill>
+                <a:schemeClr val="tx1"/>
+              </a:solidFill>
+              <a:effectLst/>
+              <a:latin typeface="Arial" panose="020B0604020202020204" pitchFamily="34" charset="0"/>
+            </a:endParaRPr>
+          </a:p>
+          <a:p>
+            <a:pPr marL="0" marR="0" lvl="0" indent="0" algn="l" defTabSz="914400" rtl="0" eaLnBrk="0" fontAlgn="base" latinLnBrk="0" hangingPunct="0">
+              <a:lnSpc>
+                <a:spcPct val="100000"/>
+              </a:lnSpc>
+              <a:spcBef>
+                <a:spcPct val="0"/>
+              </a:spcBef>
+              <a:spcAft>
+                <a:spcPct val="0"/>
+              </a:spcAft>
+              <a:buClrTx/>
+              <a:buSzTx/>
+              <a:buFontTx/>
+              <a:buNone/>
+              <a:tabLst/>
+            </a:pPr>
+            <a:r>
+              <a:rPr kumimoji="0" lang="en-US" altLang="en-US" sz="1800" b="1" i="0" u="none" strike="noStrike" cap="none" normalizeH="0" baseline="0" dirty="0">
                 <a:ln>
                   <a:noFill/>
                 </a:ln>
@@ -6606,7 +7859,7 @@
               </a:rPr>
               <a:t>Creating Objects in Java</a:t>
             </a:r>
-            <a:endParaRPr kumimoji="0" lang="en-US" altLang="en-US" sz="1800" b="0" i="0" u="none" strike="noStrike" cap="none" normalizeH="0" baseline="0" dirty="0" smtClean="0">
+            <a:endParaRPr kumimoji="0" lang="en-US" altLang="en-US" sz="1800" b="0" i="0" u="none" strike="noStrike" cap="none" normalizeH="0" baseline="0" dirty="0">
               <a:ln>
                 <a:noFill/>
               </a:ln>
@@ -6633,7 +7886,7 @@
               <a:tabLst/>
             </a:pPr>
             <a:r>
-              <a:rPr kumimoji="0" lang="en-US" altLang="en-US" sz="1800" b="0" i="0" u="none" strike="noStrike" cap="none" normalizeH="0" baseline="0" dirty="0" smtClean="0">
+              <a:rPr kumimoji="0" lang="en-US" altLang="en-US" sz="1800" b="0" i="0" u="none" strike="noStrike" cap="none" normalizeH="0" baseline="0" dirty="0">
                 <a:ln>
                   <a:noFill/>
                 </a:ln>
@@ -6646,7 +7899,7 @@
               <a:t>1.Instantiate a class using the</a:t>
             </a:r>
             <a:r>
-              <a:rPr kumimoji="0" lang="en-US" altLang="en-US" sz="1800" b="0" i="0" u="none" strike="noStrike" cap="none" normalizeH="0" dirty="0" smtClean="0">
+              <a:rPr kumimoji="0" lang="en-US" altLang="en-US" sz="1800" b="0" i="0" u="none" strike="noStrike" cap="none" normalizeH="0" dirty="0">
                 <a:ln>
                   <a:noFill/>
                 </a:ln>
@@ -6659,7 +7912,7 @@
               <a:t> new keyword.</a:t>
             </a:r>
             <a:r>
-              <a:rPr kumimoji="0" lang="en-US" altLang="en-US" sz="800" b="0" i="0" u="none" strike="noStrike" cap="none" normalizeH="0" baseline="0" dirty="0" smtClean="0">
+              <a:rPr kumimoji="0" lang="en-US" altLang="en-US" sz="800" b="0" i="0" u="none" strike="noStrike" cap="none" normalizeH="0" baseline="0" dirty="0">
                 <a:ln>
                   <a:noFill/>
                 </a:ln>
@@ -6670,7 +7923,7 @@
               </a:rPr>
               <a:t>.</a:t>
             </a:r>
-            <a:endParaRPr kumimoji="0" lang="en-US" altLang="en-US" sz="1800" b="0" i="0" u="none" strike="noStrike" cap="none" normalizeH="0" baseline="0" dirty="0" smtClean="0">
+            <a:endParaRPr kumimoji="0" lang="en-US" altLang="en-US" sz="1800" b="0" i="0" u="none" strike="noStrike" cap="none" normalizeH="0" baseline="0" dirty="0">
               <a:ln>
                 <a:noFill/>
               </a:ln>
@@ -6698,7 +7951,7 @@
               <a:buNone/>
               <a:tabLst/>
             </a:pPr>
-            <a:endParaRPr kumimoji="0" lang="en-US" altLang="en-US" sz="1800" b="0" i="0" u="none" strike="noStrike" cap="none" normalizeH="0" baseline="0" dirty="0" smtClean="0">
+            <a:endParaRPr kumimoji="0" lang="en-US" altLang="en-US" sz="1800" b="0" i="0" u="none" strike="noStrike" cap="none" normalizeH="0" baseline="0" dirty="0">
               <a:ln>
                 <a:noFill/>
               </a:ln>
@@ -6711,47 +7964,23 @@
           </a:p>
         </p:txBody>
       </p:sp>
-      <p:pic>
-        <p:nvPicPr>
-          <p:cNvPr id="3" name="Picture 2"/>
-          <p:cNvPicPr>
-            <a:picLocks noChangeAspect="1"/>
-          </p:cNvPicPr>
+      <p:sp>
+        <p:nvSpPr>
+          <p:cNvPr id="4" name="Rectangle 3"/>
+          <p:cNvSpPr/>
           <p:nvPr/>
-        </p:nvPicPr>
-        <p:blipFill>
-          <a:blip r:embed="rId2"/>
-          <a:stretch>
-            <a:fillRect/>
-          </a:stretch>
-        </p:blipFill>
-        <p:spPr>
-          <a:xfrm>
-            <a:off x="6145820" y="3351598"/>
-            <a:ext cx="5621308" cy="2354981"/>
+        </p:nvSpPr>
+        <p:spPr>
+          <a:xfrm>
+            <a:off x="646545" y="2560982"/>
+            <a:ext cx="4913746" cy="1477328"/>
           </a:xfrm>
           <a:prstGeom prst="rect">
             <a:avLst/>
           </a:prstGeom>
         </p:spPr>
-      </p:pic>
-      <p:sp>
-        <p:nvSpPr>
-          <p:cNvPr id="4" name="Rectangle 3"/>
-          <p:cNvSpPr/>
-          <p:nvPr/>
-        </p:nvSpPr>
-        <p:spPr>
-          <a:xfrm>
-            <a:off x="646545" y="2560982"/>
-            <a:ext cx="6096000" cy="1200329"/>
-          </a:xfrm>
-          <a:prstGeom prst="rect">
-            <a:avLst/>
-          </a:prstGeom>
-        </p:spPr>
-        <p:txBody>
-          <a:bodyPr>
+        <p:txBody>
+          <a:bodyPr wrap="square">
             <a:spAutoFit/>
           </a:bodyPr>
           <a:lstStyle/>
@@ -6819,98 +8048,37 @@
           </a:p>
         </p:txBody>
       </p:sp>
-      <p:sp>
-        <p:nvSpPr>
-          <p:cNvPr id="5" name="Rectangle 4"/>
-          <p:cNvSpPr/>
+      <p:pic>
+        <p:nvPicPr>
+          <p:cNvPr id="7" name="Picture 6">
+            <a:extLst>
+              <a:ext uri="{FF2B5EF4-FFF2-40B4-BE49-F238E27FC236}">
+                <a16:creationId xmlns:a16="http://schemas.microsoft.com/office/drawing/2014/main" id="{0EA171A2-3BA8-300F-90A0-9868160DCD79}"/>
+              </a:ext>
+            </a:extLst>
+          </p:cNvPr>
+          <p:cNvPicPr>
+            <a:picLocks noChangeAspect="1"/>
+          </p:cNvPicPr>
           <p:nvPr/>
-        </p:nvSpPr>
-        <p:spPr>
-          <a:xfrm>
-            <a:off x="646545" y="4250249"/>
-            <a:ext cx="6096000" cy="1200329"/>
+        </p:nvPicPr>
+        <p:blipFill>
+          <a:blip r:embed="rId2"/>
+          <a:srcRect r="18387"/>
+          <a:stretch>
+            <a:fillRect/>
+          </a:stretch>
+        </p:blipFill>
+        <p:spPr>
+          <a:xfrm>
+            <a:off x="5979822" y="992765"/>
+            <a:ext cx="6008977" cy="4429125"/>
           </a:xfrm>
           <a:prstGeom prst="rect">
             <a:avLst/>
           </a:prstGeom>
         </p:spPr>
-        <p:txBody>
-          <a:bodyPr>
-            <a:spAutoFit/>
-          </a:bodyPr>
-          <a:lstStyle/>
-          <a:p>
-            <a:pPr lvl="0" defTabSz="914400" eaLnBrk="0" fontAlgn="base" hangingPunct="0">
-              <a:spcBef>
-                <a:spcPct val="0"/>
-              </a:spcBef>
-              <a:spcAft>
-                <a:spcPct val="0"/>
-              </a:spcAft>
-            </a:pPr>
-            <a:r>
-              <a:rPr lang="en-US" altLang="en-US" b="1" dirty="0">
-                <a:latin typeface="Arial" panose="020B0604020202020204" pitchFamily="34" charset="0"/>
-              </a:rPr>
-              <a:t>Steps involved:</a:t>
-            </a:r>
-          </a:p>
-          <a:p>
-            <a:pPr lvl="0" defTabSz="914400" eaLnBrk="0" fontAlgn="base" hangingPunct="0">
-              <a:spcBef>
-                <a:spcPct val="0"/>
-              </a:spcBef>
-              <a:spcAft>
-                <a:spcPct val="0"/>
-              </a:spcAft>
-              <a:buFontTx/>
-              <a:buAutoNum type="arabicPeriod"/>
-            </a:pPr>
-            <a:r>
-              <a:rPr lang="en-US" altLang="en-US" dirty="0">
-                <a:latin typeface="Arial" panose="020B0604020202020204" pitchFamily="34" charset="0"/>
-              </a:rPr>
-              <a:t>Memory allocation for the object.</a:t>
-            </a:r>
-          </a:p>
-          <a:p>
-            <a:pPr lvl="0" defTabSz="914400" eaLnBrk="0" fontAlgn="base" hangingPunct="0">
-              <a:spcBef>
-                <a:spcPct val="0"/>
-              </a:spcBef>
-              <a:spcAft>
-                <a:spcPct val="0"/>
-              </a:spcAft>
-              <a:buFontTx/>
-              <a:buAutoNum type="arabicPeriod" startAt="2"/>
-            </a:pPr>
-            <a:r>
-              <a:rPr lang="en-US" altLang="en-US" dirty="0">
-                <a:latin typeface="Arial" panose="020B0604020202020204" pitchFamily="34" charset="0"/>
-              </a:rPr>
-              <a:t>Constructor invocation to initialize the object.</a:t>
-            </a:r>
-          </a:p>
-          <a:p>
-            <a:pPr lvl="0" defTabSz="914400" eaLnBrk="0" fontAlgn="base" hangingPunct="0">
-              <a:spcBef>
-                <a:spcPct val="0"/>
-              </a:spcBef>
-              <a:spcAft>
-                <a:spcPct val="0"/>
-              </a:spcAft>
-              <a:buFontTx/>
-              <a:buAutoNum type="arabicPeriod" startAt="3"/>
-            </a:pPr>
-            <a:r>
-              <a:rPr lang="en-US" altLang="en-US" dirty="0">
-                <a:latin typeface="Arial" panose="020B0604020202020204" pitchFamily="34" charset="0"/>
-              </a:rPr>
-              <a:t>Reference assignment to the object.</a:t>
-            </a:r>
-          </a:p>
-        </p:txBody>
-      </p:sp>
+      </p:pic>
     </p:spTree>
     <p:extLst>
       <p:ext uri="{BB962C8B-B14F-4D97-AF65-F5344CB8AC3E}">
@@ -6924,12 +8092,18 @@
 </p:sld>
 </file>
 
-<file path=ppt/slides/slide6.xml><?xml version="1.0" encoding="utf-8"?>
+<file path=ppt/slides/slide8.xml><?xml version="1.0" encoding="utf-8"?>
 <p:sld xmlns:a="http://schemas.openxmlformats.org/drawingml/2006/main" xmlns:r="http://schemas.openxmlformats.org/officeDocument/2006/relationships" xmlns:p="http://schemas.openxmlformats.org/presentationml/2006/main">
   <p:cSld>
     <p:spTree>
       <p:nvGrpSpPr>
-        <p:cNvPr id="1" name=""/>
+        <p:cNvPr id="1" name="">
+          <a:extLst>
+            <a:ext uri="{FF2B5EF4-FFF2-40B4-BE49-F238E27FC236}">
+              <a16:creationId xmlns:a16="http://schemas.microsoft.com/office/drawing/2014/main" id="{503E67BA-1FD7-157D-D8C6-8D75CB311A7F}"/>
+            </a:ext>
+          </a:extLst>
+        </p:cNvPr>
         <p:cNvGrpSpPr/>
         <p:nvPr/>
       </p:nvGrpSpPr>
@@ -6943,330 +8117,22 @@
       </p:grpSpPr>
       <p:sp>
         <p:nvSpPr>
-          <p:cNvPr id="2" name="Rectangle 1"/>
-          <p:cNvSpPr/>
+          <p:cNvPr id="2" name="Rectangle 1">
+            <a:extLst>
+              <a:ext uri="{FF2B5EF4-FFF2-40B4-BE49-F238E27FC236}">
+                <a16:creationId xmlns:a16="http://schemas.microsoft.com/office/drawing/2014/main" id="{0699786B-26FF-B46E-F636-22BD37EC5A05}"/>
+              </a:ext>
+            </a:extLst>
+          </p:cNvPr>
+          <p:cNvSpPr>
+            <a:spLocks noChangeArrowheads="1"/>
+          </p:cNvSpPr>
           <p:nvPr/>
         </p:nvSpPr>
-        <p:spPr>
-          <a:xfrm>
-            <a:off x="479055" y="1419523"/>
-            <a:ext cx="7259782" cy="646331"/>
-          </a:xfrm>
-          <a:prstGeom prst="rect">
-            <a:avLst/>
-          </a:prstGeom>
-        </p:spPr>
-        <p:txBody>
-          <a:bodyPr wrap="square">
-            <a:spAutoFit/>
-          </a:bodyPr>
-          <a:lstStyle/>
-          <a:p>
-            <a:r>
-              <a:rPr lang="en-US" dirty="0" smtClean="0"/>
-              <a:t>2.Using </a:t>
-            </a:r>
-            <a:r>
-              <a:rPr lang="en-US" dirty="0"/>
-              <a:t>Constructors</a:t>
-            </a:r>
-          </a:p>
-          <a:p>
-            <a:r>
-              <a:rPr lang="en-US" dirty="0"/>
-              <a:t>A constructor initializes objects</a:t>
-            </a:r>
-            <a:r>
-              <a:rPr lang="en-US" dirty="0" smtClean="0"/>
-              <a:t>.</a:t>
-            </a:r>
-            <a:endParaRPr lang="en-US" dirty="0"/>
-          </a:p>
-        </p:txBody>
-      </p:sp>
-      <p:pic>
-        <p:nvPicPr>
-          <p:cNvPr id="3" name="Picture 2"/>
-          <p:cNvPicPr>
-            <a:picLocks noChangeAspect="1"/>
-          </p:cNvPicPr>
-          <p:nvPr/>
-        </p:nvPicPr>
-        <p:blipFill>
-          <a:blip r:embed="rId2"/>
-          <a:stretch>
-            <a:fillRect/>
-          </a:stretch>
-        </p:blipFill>
-        <p:spPr>
-          <a:xfrm>
-            <a:off x="6575055" y="1904939"/>
-            <a:ext cx="5265963" cy="3253765"/>
-          </a:xfrm>
-          <a:prstGeom prst="rect">
-            <a:avLst/>
-          </a:prstGeom>
-        </p:spPr>
-      </p:pic>
-      <p:sp>
-        <p:nvSpPr>
-          <p:cNvPr id="4" name="Rectangle 3"/>
-          <p:cNvSpPr/>
-          <p:nvPr/>
-        </p:nvSpPr>
-        <p:spPr>
-          <a:xfrm>
-            <a:off x="479055" y="2065854"/>
-            <a:ext cx="6096000" cy="4801314"/>
-          </a:xfrm>
-          <a:prstGeom prst="rect">
-            <a:avLst/>
-          </a:prstGeom>
-        </p:spPr>
-        <p:txBody>
-          <a:bodyPr>
-            <a:spAutoFit/>
-          </a:bodyPr>
-          <a:lstStyle/>
-          <a:p>
-            <a:r>
-              <a:rPr lang="en-US" b="1" dirty="0"/>
-              <a:t>Properties of a Constructor in Java</a:t>
-            </a:r>
-          </a:p>
-          <a:p>
-            <a:r>
-              <a:rPr lang="en-US" dirty="0"/>
-              <a:t>1.Same Name as Class</a:t>
-            </a:r>
-          </a:p>
-          <a:p>
-            <a:pPr lvl="1" defTabSz="914400" eaLnBrk="0" fontAlgn="base" hangingPunct="0">
-              <a:spcBef>
-                <a:spcPct val="0"/>
-              </a:spcBef>
-              <a:spcAft>
-                <a:spcPct val="0"/>
-              </a:spcAft>
-            </a:pPr>
-            <a:r>
-              <a:rPr lang="en-US" altLang="en-US" dirty="0">
-                <a:latin typeface="Arial" panose="020B0604020202020204" pitchFamily="34" charset="0"/>
-              </a:rPr>
-              <a:t>A constructor must have the same name as the class.</a:t>
-            </a:r>
-          </a:p>
-          <a:p>
-            <a:pPr lvl="0" defTabSz="914400" eaLnBrk="0" fontAlgn="base" hangingPunct="0">
-              <a:spcBef>
-                <a:spcPct val="0"/>
-              </a:spcBef>
-              <a:spcAft>
-                <a:spcPct val="0"/>
-              </a:spcAft>
-              <a:buFontTx/>
-              <a:buAutoNum type="arabicPeriod" startAt="2"/>
-            </a:pPr>
-            <a:r>
-              <a:rPr lang="en-US" altLang="en-US" dirty="0">
-                <a:latin typeface="Arial" panose="020B0604020202020204" pitchFamily="34" charset="0"/>
-              </a:rPr>
-              <a:t>No Return Type</a:t>
-            </a:r>
-          </a:p>
-          <a:p>
-            <a:pPr lvl="1" defTabSz="914400" eaLnBrk="0" fontAlgn="base" hangingPunct="0">
-              <a:spcBef>
-                <a:spcPct val="0"/>
-              </a:spcBef>
-              <a:spcAft>
-                <a:spcPct val="0"/>
-              </a:spcAft>
-            </a:pPr>
-            <a:r>
-              <a:rPr lang="en-US" altLang="en-US" dirty="0">
-                <a:latin typeface="Arial" panose="020B0604020202020204" pitchFamily="34" charset="0"/>
-              </a:rPr>
-              <a:t>A constructor does not have a return type, not </a:t>
-            </a:r>
-            <a:r>
-              <a:rPr lang="en-US" altLang="en-US" dirty="0" smtClean="0">
-                <a:latin typeface="Arial" panose="020B0604020202020204" pitchFamily="34" charset="0"/>
-              </a:rPr>
-              <a:t>even void</a:t>
-            </a:r>
-            <a:endParaRPr lang="en-US" altLang="en-US" dirty="0">
-              <a:latin typeface="Arial" panose="020B0604020202020204" pitchFamily="34" charset="0"/>
-            </a:endParaRPr>
-          </a:p>
-          <a:p>
-            <a:pPr lvl="0" defTabSz="914400" eaLnBrk="0" fontAlgn="base" hangingPunct="0">
-              <a:spcBef>
-                <a:spcPct val="0"/>
-              </a:spcBef>
-              <a:spcAft>
-                <a:spcPct val="0"/>
-              </a:spcAft>
-              <a:buFontTx/>
-              <a:buAutoNum type="arabicPeriod" startAt="3"/>
-            </a:pPr>
-            <a:r>
-              <a:rPr lang="en-US" altLang="en-US" dirty="0">
-                <a:latin typeface="Arial" panose="020B0604020202020204" pitchFamily="34" charset="0"/>
-              </a:rPr>
-              <a:t>Automatically Called</a:t>
-            </a:r>
-          </a:p>
-          <a:p>
-            <a:pPr lvl="1" defTabSz="914400" eaLnBrk="0" fontAlgn="base" hangingPunct="0">
-              <a:spcBef>
-                <a:spcPct val="0"/>
-              </a:spcBef>
-              <a:spcAft>
-                <a:spcPct val="0"/>
-              </a:spcAft>
-            </a:pPr>
-            <a:r>
-              <a:rPr lang="en-US" altLang="en-US" dirty="0">
-                <a:latin typeface="Arial" panose="020B0604020202020204" pitchFamily="34" charset="0"/>
-              </a:rPr>
-              <a:t>It is automatically invoked when an object of the class is created.</a:t>
-            </a:r>
-          </a:p>
-          <a:p>
-            <a:pPr lvl="0" defTabSz="914400" eaLnBrk="0" fontAlgn="base" hangingPunct="0">
-              <a:spcBef>
-                <a:spcPct val="0"/>
-              </a:spcBef>
-              <a:spcAft>
-                <a:spcPct val="0"/>
-              </a:spcAft>
-              <a:buFontTx/>
-              <a:buAutoNum type="arabicPeriod" startAt="4"/>
-            </a:pPr>
-            <a:r>
-              <a:rPr lang="en-US" altLang="en-US" dirty="0">
-                <a:latin typeface="Arial" panose="020B0604020202020204" pitchFamily="34" charset="0"/>
-              </a:rPr>
-              <a:t>Can Be Overloaded</a:t>
-            </a:r>
-          </a:p>
-          <a:p>
-            <a:pPr lvl="1" defTabSz="914400" eaLnBrk="0" fontAlgn="base" hangingPunct="0">
-              <a:spcBef>
-                <a:spcPct val="0"/>
-              </a:spcBef>
-              <a:spcAft>
-                <a:spcPct val="0"/>
-              </a:spcAft>
-            </a:pPr>
-            <a:r>
-              <a:rPr lang="en-US" altLang="en-US" dirty="0">
-                <a:latin typeface="Arial" panose="020B0604020202020204" pitchFamily="34" charset="0"/>
-              </a:rPr>
-              <a:t>Multiple constructors can be defined with different parameters (Constructor Overloading).</a:t>
-            </a:r>
-          </a:p>
-          <a:p>
-            <a:pPr lvl="0" defTabSz="914400" eaLnBrk="0" fontAlgn="base" hangingPunct="0">
-              <a:spcBef>
-                <a:spcPct val="0"/>
-              </a:spcBef>
-              <a:spcAft>
-                <a:spcPct val="0"/>
-              </a:spcAft>
-              <a:buFontTx/>
-              <a:buAutoNum type="arabicPeriod" startAt="5"/>
-            </a:pPr>
-            <a:r>
-              <a:rPr lang="en-US" altLang="en-US" dirty="0">
-                <a:latin typeface="Arial" panose="020B0604020202020204" pitchFamily="34" charset="0"/>
-              </a:rPr>
-              <a:t>Cannot Be Inherited</a:t>
-            </a:r>
-          </a:p>
-          <a:p>
-            <a:pPr lvl="1" defTabSz="914400" eaLnBrk="0" fontAlgn="base" hangingPunct="0">
-              <a:spcBef>
-                <a:spcPct val="0"/>
-              </a:spcBef>
-              <a:spcAft>
-                <a:spcPct val="0"/>
-              </a:spcAft>
-            </a:pPr>
-            <a:r>
-              <a:rPr lang="en-US" altLang="en-US" dirty="0">
-                <a:latin typeface="Arial" panose="020B0604020202020204" pitchFamily="34" charset="0"/>
-              </a:rPr>
-              <a:t>Constructors are not inherited by subclasses, but a subclass can call the parent class constructor </a:t>
-            </a:r>
-            <a:r>
-              <a:rPr lang="en-US" altLang="en-US" dirty="0" smtClean="0">
-                <a:latin typeface="Arial" panose="020B0604020202020204" pitchFamily="34" charset="0"/>
-              </a:rPr>
-              <a:t>using super keyword.</a:t>
-            </a:r>
-            <a:endParaRPr lang="en-US" altLang="en-US" dirty="0">
-              <a:latin typeface="Arial" panose="020B0604020202020204" pitchFamily="34" charset="0"/>
-            </a:endParaRPr>
-          </a:p>
-          <a:p>
-            <a:pPr lvl="0" defTabSz="914400" eaLnBrk="0" fontAlgn="base" hangingPunct="0">
-              <a:spcBef>
-                <a:spcPct val="0"/>
-              </a:spcBef>
-              <a:spcAft>
-                <a:spcPct val="0"/>
-              </a:spcAft>
-            </a:pPr>
-            <a:endParaRPr lang="en-US" altLang="en-US" dirty="0">
-              <a:latin typeface="Arial" panose="020B0604020202020204" pitchFamily="34" charset="0"/>
-            </a:endParaRPr>
-          </a:p>
-        </p:txBody>
-      </p:sp>
-    </p:spTree>
-    <p:extLst>
-      <p:ext uri="{BB962C8B-B14F-4D97-AF65-F5344CB8AC3E}">
-        <p14:creationId xmlns:p14="http://schemas.microsoft.com/office/powerpoint/2010/main" val="2834895518"/>
-      </p:ext>
-    </p:extLst>
-  </p:cSld>
-  <p:clrMapOvr>
-    <a:masterClrMapping/>
-  </p:clrMapOvr>
-</p:sld>
-</file>
-
-<file path=ppt/slides/slide7.xml><?xml version="1.0" encoding="utf-8"?>
-<p:sld xmlns:a="http://schemas.openxmlformats.org/drawingml/2006/main" xmlns:r="http://schemas.openxmlformats.org/officeDocument/2006/relationships" xmlns:p="http://schemas.openxmlformats.org/presentationml/2006/main">
-  <p:cSld>
-    <p:spTree>
-      <p:nvGrpSpPr>
-        <p:cNvPr id="1" name=""/>
-        <p:cNvGrpSpPr/>
-        <p:nvPr/>
-      </p:nvGrpSpPr>
-      <p:grpSpPr>
-        <a:xfrm>
-          <a:off x="0" y="0"/>
-          <a:ext cx="0" cy="0"/>
-          <a:chOff x="0" y="0"/>
-          <a:chExt cx="0" cy="0"/>
-        </a:xfrm>
-      </p:grpSpPr>
-      <p:sp>
-        <p:nvSpPr>
-          <p:cNvPr id="2" name="Rectangle 1"/>
-          <p:cNvSpPr>
-            <a:spLocks noChangeArrowheads="1"/>
-          </p:cNvSpPr>
-          <p:nvPr/>
-        </p:nvSpPr>
         <p:spPr bwMode="auto">
           <a:xfrm>
-            <a:off x="350982" y="2839366"/>
-            <a:ext cx="5818909" cy="2308324"/>
+            <a:off x="628071" y="1400306"/>
+            <a:ext cx="5680365" cy="3884397"/>
           </a:xfrm>
           <a:prstGeom prst="rect">
             <a:avLst/>
@@ -7316,7 +8182,66 @@
           <a:p>
             <a:pPr marL="0" marR="0" lvl="0" indent="0" algn="l" defTabSz="914400" rtl="0" eaLnBrk="0" fontAlgn="base" latinLnBrk="0" hangingPunct="0">
               <a:lnSpc>
-                <a:spcPct val="100000"/>
+                <a:spcPct val="200000"/>
+              </a:lnSpc>
+              <a:spcBef>
+                <a:spcPct val="0"/>
+              </a:spcBef>
+              <a:spcAft>
+                <a:spcPct val="0"/>
+              </a:spcAft>
+              <a:buClrTx/>
+              <a:buSzTx/>
+              <a:buFontTx/>
+              <a:buNone/>
+              <a:tabLst/>
+            </a:pPr>
+            <a:r>
+              <a:rPr kumimoji="0" lang="en-US" altLang="en-US" sz="1800" b="1" i="0" u="none" strike="noStrike" cap="none" normalizeH="0" baseline="0" dirty="0">
+                <a:ln>
+                  <a:noFill/>
+                </a:ln>
+                <a:solidFill>
+                  <a:schemeClr val="tx1"/>
+                </a:solidFill>
+                <a:effectLst/>
+                <a:latin typeface="Arial" panose="020B0604020202020204" pitchFamily="34" charset="0"/>
+              </a:rPr>
+              <a:t>Initializing Objects in Java</a:t>
+            </a:r>
+          </a:p>
+          <a:p>
+            <a:pPr marL="0" marR="0" lvl="0" indent="0" algn="l" defTabSz="914400" rtl="0" eaLnBrk="0" fontAlgn="base" latinLnBrk="0" hangingPunct="0">
+              <a:lnSpc>
+                <a:spcPct val="200000"/>
+              </a:lnSpc>
+              <a:spcBef>
+                <a:spcPct val="0"/>
+              </a:spcBef>
+              <a:spcAft>
+                <a:spcPct val="0"/>
+              </a:spcAft>
+              <a:buClrTx/>
+              <a:buSzTx/>
+              <a:buFontTx/>
+              <a:buNone/>
+              <a:tabLst/>
+            </a:pPr>
+            <a:endParaRPr kumimoji="0" lang="en-US" altLang="en-US" sz="1800" b="0" i="0" u="none" strike="noStrike" cap="none" normalizeH="0" baseline="0" dirty="0">
+              <a:ln>
+                <a:noFill/>
+              </a:ln>
+              <a:solidFill>
+                <a:schemeClr val="tx1"/>
+              </a:solidFill>
+              <a:effectLst/>
+              <a:latin typeface="Arial" panose="020B0604020202020204" pitchFamily="34" charset="0"/>
+            </a:endParaRPr>
+          </a:p>
+          <a:p>
+            <a:pPr marL="0" marR="0" lvl="0" indent="0" algn="l" defTabSz="914400" rtl="0" eaLnBrk="0" fontAlgn="base" latinLnBrk="0" hangingPunct="0">
+              <a:lnSpc>
+                <a:spcPct val="200000"/>
               </a:lnSpc>
               <a:spcBef>
                 <a:spcPct val="0"/>
@@ -7329,7 +8254,7 @@
               <a:tabLst/>
             </a:pPr>
             <a:r>
-              <a:rPr kumimoji="0" lang="en-US" altLang="en-US" sz="1800" b="0" i="0" u="none" strike="noStrike" cap="none" normalizeH="0" baseline="0" dirty="0" smtClean="0">
+              <a:rPr kumimoji="0" lang="en-US" altLang="en-US" sz="1800" b="0" i="0" u="none" strike="noStrike" cap="none" normalizeH="0" baseline="0" dirty="0">
                 <a:ln>
                   <a:noFill/>
                 </a:ln>
@@ -7339,13 +8264,96 @@
                 <a:effectLst/>
                 <a:latin typeface="Arial" panose="020B0604020202020204" pitchFamily="34" charset="0"/>
               </a:rPr>
-              <a:t>Types of Constructors:</a:t>
+              <a:t>There are 3 ways to Initialize an object</a:t>
+            </a:r>
+          </a:p>
+          <a:p>
+            <a:pPr marL="342900" marR="0" lvl="0" indent="-342900" algn="l" defTabSz="914400" rtl="0" eaLnBrk="0" fontAlgn="base" latinLnBrk="0" hangingPunct="0">
+              <a:lnSpc>
+                <a:spcPct val="200000"/>
+              </a:lnSpc>
+              <a:spcBef>
+                <a:spcPct val="0"/>
+              </a:spcBef>
+              <a:spcAft>
+                <a:spcPct val="0"/>
+              </a:spcAft>
+              <a:buClrTx/>
+              <a:buSzTx/>
+              <a:buAutoNum type="arabicPeriod"/>
+              <a:tabLst/>
+            </a:pPr>
+            <a:r>
+              <a:rPr kumimoji="0" lang="en-US" altLang="en-US" sz="1800" b="0" i="0" u="none" strike="noStrike" cap="none" normalizeH="0" baseline="0" dirty="0">
+                <a:ln>
+                  <a:noFill/>
+                </a:ln>
+                <a:solidFill>
+                  <a:schemeClr val="tx1"/>
+                </a:solidFill>
+                <a:effectLst/>
+                <a:latin typeface="Arial" panose="020B0604020202020204" pitchFamily="34" charset="0"/>
+              </a:rPr>
+              <a:t>By reference </a:t>
+            </a:r>
+          </a:p>
+          <a:p>
+            <a:pPr marL="342900" marR="0" lvl="0" indent="-342900" algn="l" defTabSz="914400" rtl="0" eaLnBrk="0" fontAlgn="base" latinLnBrk="0" hangingPunct="0">
+              <a:lnSpc>
+                <a:spcPct val="200000"/>
+              </a:lnSpc>
+              <a:spcBef>
+                <a:spcPct val="0"/>
+              </a:spcBef>
+              <a:spcAft>
+                <a:spcPct val="0"/>
+              </a:spcAft>
+              <a:buClrTx/>
+              <a:buSzTx/>
+              <a:buAutoNum type="arabicPeriod"/>
+              <a:tabLst/>
+            </a:pPr>
+            <a:r>
+              <a:rPr lang="en-US" altLang="en-US" dirty="0">
+                <a:latin typeface="Arial" panose="020B0604020202020204" pitchFamily="34" charset="0"/>
+              </a:rPr>
+              <a:t>By method </a:t>
+            </a:r>
+          </a:p>
+          <a:p>
+            <a:pPr marL="342900" marR="0" lvl="0" indent="-342900" algn="l" defTabSz="914400" rtl="0" eaLnBrk="0" fontAlgn="base" latinLnBrk="0" hangingPunct="0">
+              <a:lnSpc>
+                <a:spcPct val="200000"/>
+              </a:lnSpc>
+              <a:spcBef>
+                <a:spcPct val="0"/>
+              </a:spcBef>
+              <a:spcAft>
+                <a:spcPct val="0"/>
+              </a:spcAft>
+              <a:buClrTx/>
+              <a:buSzTx/>
+              <a:buAutoNum type="arabicPeriod"/>
+              <a:tabLst/>
+            </a:pPr>
+            <a:r>
+              <a:rPr kumimoji="0" lang="en-US" altLang="en-US" sz="1800" b="0" i="0" u="none" strike="noStrike" cap="none" normalizeH="0" baseline="0" dirty="0">
+                <a:ln>
+                  <a:noFill/>
+                </a:ln>
+                <a:solidFill>
+                  <a:schemeClr val="tx1"/>
+                </a:solidFill>
+                <a:effectLst/>
+                <a:latin typeface="Arial" panose="020B0604020202020204" pitchFamily="34" charset="0"/>
+              </a:rPr>
+              <a:t>By Constructor</a:t>
             </a:r>
           </a:p>
           <a:p>
             <a:pPr marL="0" marR="0" lvl="0" indent="0" algn="l" defTabSz="914400" rtl="0" eaLnBrk="0" fontAlgn="base" latinLnBrk="0" hangingPunct="0">
               <a:lnSpc>
-                <a:spcPct val="100000"/>
+                <a:spcPct val="200000"/>
               </a:lnSpc>
               <a:spcBef>
                 <a:spcPct val="0"/>
@@ -7356,142 +8364,10 @@
               <a:buClrTx/>
               <a:buSzTx/>
               <a:buFontTx/>
-              <a:buAutoNum type="arabicPeriod"/>
+              <a:buNone/>
               <a:tabLst/>
             </a:pPr>
-            <a:r>
-              <a:rPr kumimoji="0" lang="en-US" altLang="en-US" sz="1800" b="1" i="0" u="none" strike="noStrike" cap="none" normalizeH="0" baseline="0" dirty="0" smtClean="0">
-                <a:ln>
-                  <a:noFill/>
-                </a:ln>
-                <a:solidFill>
-                  <a:schemeClr val="tx1"/>
-                </a:solidFill>
-                <a:effectLst/>
-                <a:latin typeface="Arial" panose="020B0604020202020204" pitchFamily="34" charset="0"/>
-              </a:rPr>
-              <a:t>Default Constructor</a:t>
-            </a:r>
-            <a:r>
-              <a:rPr kumimoji="0" lang="en-US" altLang="en-US" sz="1800" b="0" i="0" u="none" strike="noStrike" cap="none" normalizeH="0" baseline="0" dirty="0" smtClean="0">
-                <a:ln>
-                  <a:noFill/>
-                </a:ln>
-                <a:solidFill>
-                  <a:schemeClr val="tx1"/>
-                </a:solidFill>
-                <a:effectLst/>
-                <a:latin typeface="Arial" panose="020B0604020202020204" pitchFamily="34" charset="0"/>
-              </a:rPr>
-              <a:t> - No parameters, initializes default values.</a:t>
-            </a:r>
-          </a:p>
-          <a:p>
-            <a:pPr marL="0" marR="0" lvl="0" indent="0" algn="l" defTabSz="914400" rtl="0" eaLnBrk="0" fontAlgn="base" latinLnBrk="0" hangingPunct="0">
-              <a:lnSpc>
-                <a:spcPct val="100000"/>
-              </a:lnSpc>
-              <a:spcBef>
-                <a:spcPct val="0"/>
-              </a:spcBef>
-              <a:spcAft>
-                <a:spcPct val="0"/>
-              </a:spcAft>
-              <a:buClrTx/>
-              <a:buSzTx/>
-              <a:buFontTx/>
-              <a:buAutoNum type="arabicPeriod" startAt="2"/>
-              <a:tabLst/>
-            </a:pPr>
-            <a:r>
-              <a:rPr kumimoji="0" lang="en-US" altLang="en-US" sz="1800" b="1" i="0" u="none" strike="noStrike" cap="none" normalizeH="0" baseline="0" dirty="0" smtClean="0">
-                <a:ln>
-                  <a:noFill/>
-                </a:ln>
-                <a:solidFill>
-                  <a:schemeClr val="tx1"/>
-                </a:solidFill>
-                <a:effectLst/>
-                <a:latin typeface="Arial" panose="020B0604020202020204" pitchFamily="34" charset="0"/>
-              </a:rPr>
-              <a:t>Parameterized Constructor</a:t>
-            </a:r>
-            <a:r>
-              <a:rPr kumimoji="0" lang="en-US" altLang="en-US" sz="1800" b="0" i="0" u="none" strike="noStrike" cap="none" normalizeH="0" baseline="0" dirty="0" smtClean="0">
-                <a:ln>
-                  <a:noFill/>
-                </a:ln>
-                <a:solidFill>
-                  <a:schemeClr val="tx1"/>
-                </a:solidFill>
-                <a:effectLst/>
-                <a:latin typeface="Arial" panose="020B0604020202020204" pitchFamily="34" charset="0"/>
-              </a:rPr>
-              <a:t> - Takes arguments to initialize object properties.</a:t>
-            </a:r>
-          </a:p>
-          <a:p>
-            <a:pPr marL="0" marR="0" lvl="0" indent="0" algn="l" defTabSz="914400" rtl="0" eaLnBrk="0" fontAlgn="base" latinLnBrk="0" hangingPunct="0">
-              <a:lnSpc>
-                <a:spcPct val="100000"/>
-              </a:lnSpc>
-              <a:spcBef>
-                <a:spcPct val="0"/>
-              </a:spcBef>
-              <a:spcAft>
-                <a:spcPct val="0"/>
-              </a:spcAft>
-              <a:buClrTx/>
-              <a:buSzTx/>
-              <a:buFontTx/>
-              <a:buAutoNum type="arabicPeriod" startAt="3"/>
-              <a:tabLst/>
-            </a:pPr>
-            <a:r>
-              <a:rPr kumimoji="0" lang="en-US" altLang="en-US" sz="1800" b="1" i="0" u="none" strike="noStrike" cap="none" normalizeH="0" baseline="0" dirty="0" smtClean="0">
-                <a:ln>
-                  <a:noFill/>
-                </a:ln>
-                <a:solidFill>
-                  <a:schemeClr val="tx1"/>
-                </a:solidFill>
-                <a:effectLst/>
-                <a:latin typeface="Arial" panose="020B0604020202020204" pitchFamily="34" charset="0"/>
-              </a:rPr>
-              <a:t>Copy Constructor</a:t>
-            </a:r>
-            <a:r>
-              <a:rPr kumimoji="0" lang="en-US" altLang="en-US" sz="1800" b="0" i="0" u="none" strike="noStrike" cap="none" normalizeH="0" baseline="0" dirty="0" smtClean="0">
-                <a:ln>
-                  <a:noFill/>
-                </a:ln>
-                <a:solidFill>
-                  <a:schemeClr val="tx1"/>
-                </a:solidFill>
-                <a:effectLst/>
-                <a:latin typeface="Arial" panose="020B0604020202020204" pitchFamily="34" charset="0"/>
-              </a:rPr>
-              <a:t> - Creates a new object by copying another object's values.</a:t>
-            </a:r>
-          </a:p>
-          <a:p>
-            <a:pPr marL="0" marR="0" lvl="0" indent="0" algn="l" defTabSz="914400" rtl="0" eaLnBrk="0" fontAlgn="base" latinLnBrk="0" hangingPunct="0">
-              <a:lnSpc>
-                <a:spcPct val="100000"/>
-              </a:lnSpc>
-              <a:spcBef>
-                <a:spcPct val="0"/>
-              </a:spcBef>
-              <a:spcAft>
-                <a:spcPct val="0"/>
-              </a:spcAft>
-              <a:buClrTx/>
-              <a:buSzTx/>
-              <a:buFontTx/>
-              <a:buNone/>
-              <a:tabLst/>
-            </a:pPr>
-            <a:endParaRPr kumimoji="0" lang="en-US" altLang="en-US" sz="1800" b="0" i="0" u="none" strike="noStrike" cap="none" normalizeH="0" baseline="0" dirty="0" smtClean="0">
+            <a:endParaRPr kumimoji="0" lang="en-US" altLang="en-US" sz="1800" b="0" i="0" u="none" strike="noStrike" cap="none" normalizeH="0" baseline="0" dirty="0">
               <a:ln>
                 <a:noFill/>
               </a:ln>
@@ -7504,133 +8380,10 @@
           </a:p>
         </p:txBody>
       </p:sp>
-      <p:pic>
-        <p:nvPicPr>
-          <p:cNvPr id="3" name="Picture 2"/>
-          <p:cNvPicPr>
-            <a:picLocks noChangeAspect="1"/>
-          </p:cNvPicPr>
-          <p:nvPr/>
-        </p:nvPicPr>
-        <p:blipFill>
-          <a:blip r:embed="rId2"/>
-          <a:stretch>
-            <a:fillRect/>
-          </a:stretch>
-        </p:blipFill>
-        <p:spPr>
-          <a:xfrm>
-            <a:off x="6169891" y="1496641"/>
-            <a:ext cx="5745397" cy="4993775"/>
-          </a:xfrm>
-          <a:prstGeom prst="rect">
-            <a:avLst/>
-          </a:prstGeom>
-        </p:spPr>
-      </p:pic>
     </p:spTree>
     <p:extLst>
       <p:ext uri="{BB962C8B-B14F-4D97-AF65-F5344CB8AC3E}">
-        <p14:creationId xmlns:p14="http://schemas.microsoft.com/office/powerpoint/2010/main" val="2497356743"/>
-      </p:ext>
-    </p:extLst>
-  </p:cSld>
-  <p:clrMapOvr>
-    <a:masterClrMapping/>
-  </p:clrMapOvr>
-</p:sld>
-</file>
-
-<file path=ppt/slides/slide8.xml><?xml version="1.0" encoding="utf-8"?>
-<p:sld xmlns:a="http://schemas.openxmlformats.org/drawingml/2006/main" xmlns:r="http://schemas.openxmlformats.org/officeDocument/2006/relationships" xmlns:p="http://schemas.openxmlformats.org/presentationml/2006/main">
-  <p:cSld>
-    <p:spTree>
-      <p:nvGrpSpPr>
-        <p:cNvPr id="1" name=""/>
-        <p:cNvGrpSpPr/>
-        <p:nvPr/>
-      </p:nvGrpSpPr>
-      <p:grpSpPr>
-        <a:xfrm>
-          <a:off x="0" y="0"/>
-          <a:ext cx="0" cy="0"/>
-          <a:chOff x="0" y="0"/>
-          <a:chExt cx="0" cy="0"/>
-        </a:xfrm>
-      </p:grpSpPr>
-      <p:pic>
-        <p:nvPicPr>
-          <p:cNvPr id="2" name="Picture 1"/>
-          <p:cNvPicPr>
-            <a:picLocks noChangeAspect="1"/>
-          </p:cNvPicPr>
-          <p:nvPr/>
-        </p:nvPicPr>
-        <p:blipFill>
-          <a:blip r:embed="rId2"/>
-          <a:stretch>
-            <a:fillRect/>
-          </a:stretch>
-        </p:blipFill>
-        <p:spPr>
-          <a:xfrm>
-            <a:off x="4895273" y="943902"/>
-            <a:ext cx="7296727" cy="5466133"/>
-          </a:xfrm>
-          <a:prstGeom prst="rect">
-            <a:avLst/>
-          </a:prstGeom>
-        </p:spPr>
-      </p:pic>
-      <p:sp>
-        <p:nvSpPr>
-          <p:cNvPr id="3" name="Rectangle 2"/>
-          <p:cNvSpPr/>
-          <p:nvPr/>
-        </p:nvSpPr>
-        <p:spPr>
-          <a:xfrm>
-            <a:off x="406400" y="1517656"/>
-            <a:ext cx="4488873" cy="2308324"/>
-          </a:xfrm>
-          <a:prstGeom prst="rect">
-            <a:avLst/>
-          </a:prstGeom>
-        </p:spPr>
-        <p:txBody>
-          <a:bodyPr wrap="square">
-            <a:spAutoFit/>
-          </a:bodyPr>
-          <a:lstStyle/>
-          <a:p>
-            <a:r>
-              <a:rPr lang="en-US" b="1" dirty="0"/>
-              <a:t>Constructor Overloading in Java</a:t>
-            </a:r>
-          </a:p>
-          <a:p>
-            <a:r>
-              <a:rPr lang="en-US" b="1" dirty="0"/>
-              <a:t>Definition:</a:t>
-            </a:r>
-            <a:r>
-              <a:rPr lang="en-US" dirty="0"/>
-              <a:t/>
-            </a:r>
-            <a:br>
-              <a:rPr lang="en-US" dirty="0"/>
-            </a:br>
-            <a:r>
-              <a:rPr lang="en-US" dirty="0"/>
-              <a:t>Constructor overloading in Java allows a class to have multiple constructors with different parameter lists. The appropriate constructor is selected based on the arguments passed during object creation.</a:t>
-            </a:r>
-          </a:p>
-        </p:txBody>
-      </p:sp>
-    </p:spTree>
-    <p:extLst>
-      <p:ext uri="{BB962C8B-B14F-4D97-AF65-F5344CB8AC3E}">
-        <p14:creationId xmlns:p14="http://schemas.microsoft.com/office/powerpoint/2010/main" val="371897541"/>
+        <p14:creationId xmlns:p14="http://schemas.microsoft.com/office/powerpoint/2010/main" val="710069003"/>
       </p:ext>
     </p:extLst>
   </p:cSld>
@@ -7645,7 +8398,13 @@
   <p:cSld>
     <p:spTree>
       <p:nvGrpSpPr>
-        <p:cNvPr id="1" name=""/>
+        <p:cNvPr id="1" name="">
+          <a:extLst>
+            <a:ext uri="{FF2B5EF4-FFF2-40B4-BE49-F238E27FC236}">
+              <a16:creationId xmlns:a16="http://schemas.microsoft.com/office/drawing/2014/main" id="{C57DF577-41CA-C7B0-3D53-D2ECEB5B281F}"/>
+            </a:ext>
+          </a:extLst>
+        </p:cNvPr>
         <p:cNvGrpSpPr/>
         <p:nvPr/>
       </p:nvGrpSpPr>
@@ -7659,77 +8418,168 @@
       </p:grpSpPr>
       <p:sp>
         <p:nvSpPr>
-          <p:cNvPr id="2" name="Rectangle 1"/>
-          <p:cNvSpPr/>
+          <p:cNvPr id="2" name="Rectangle 1">
+            <a:extLst>
+              <a:ext uri="{FF2B5EF4-FFF2-40B4-BE49-F238E27FC236}">
+                <a16:creationId xmlns:a16="http://schemas.microsoft.com/office/drawing/2014/main" id="{26825FAC-2817-A8FE-339C-36ECC571AB38}"/>
+              </a:ext>
+            </a:extLst>
+          </p:cNvPr>
+          <p:cNvSpPr>
+            <a:spLocks noChangeArrowheads="1"/>
+          </p:cNvSpPr>
           <p:nvPr/>
         </p:nvSpPr>
-        <p:spPr>
-          <a:xfrm>
-            <a:off x="738909" y="2056712"/>
-            <a:ext cx="3731491" cy="3139321"/>
+        <p:spPr bwMode="auto">
+          <a:xfrm>
+            <a:off x="628071" y="2508302"/>
+            <a:ext cx="5680365" cy="1668405"/>
           </a:xfrm>
           <a:prstGeom prst="rect">
             <a:avLst/>
           </a:prstGeom>
-        </p:spPr>
-        <p:txBody>
-          <a:bodyPr wrap="square">
+          <a:noFill/>
+          <a:ln>
+            <a:noFill/>
+          </a:ln>
+          <a:effectLst/>
+          <a:extLst>
+            <a:ext uri="{909E8E84-426E-40DD-AFC4-6F175D3DCCD1}">
+              <a14:hiddenFill xmlns:a14="http://schemas.microsoft.com/office/drawing/2010/main">
+                <a:solidFill>
+                  <a:schemeClr val="accent1"/>
+                </a:solidFill>
+              </a14:hiddenFill>
+            </a:ext>
+            <a:ext uri="{91240B29-F687-4F45-9708-019B960494DF}">
+              <a14:hiddenLine xmlns:a14="http://schemas.microsoft.com/office/drawing/2010/main" w="9525">
+                <a:solidFill>
+                  <a:schemeClr val="tx1"/>
+                </a:solidFill>
+                <a:miter lim="800000"/>
+                <a:headEnd/>
+                <a:tailEnd/>
+              </a14:hiddenLine>
+            </a:ext>
+            <a:ext uri="{AF507438-7753-43E0-B8FC-AC1667EBCBE1}">
+              <a14:hiddenEffects xmlns:a14="http://schemas.microsoft.com/office/drawing/2010/main">
+                <a:effectLst>
+                  <a:outerShdw dist="35921" dir="2700000" algn="ctr" rotWithShape="0">
+                    <a:schemeClr val="bg2"/>
+                  </a:outerShdw>
+                </a:effectLst>
+              </a14:hiddenEffects>
+            </a:ext>
+          </a:extLst>
+        </p:spPr>
+        <p:txBody>
+          <a:bodyPr vert="horz" wrap="square" lIns="91440" tIns="45720" rIns="91440" bIns="45720" numCol="1" anchor="ctr" anchorCtr="0" compatLnSpc="1">
+            <a:prstTxWarp prst="textNoShape">
+              <a:avLst/>
+            </a:prstTxWarp>
             <a:spAutoFit/>
           </a:bodyPr>
           <a:lstStyle/>
           <a:p>
-            <a:r>
-              <a:rPr lang="en-US" b="1" dirty="0" smtClean="0"/>
-              <a:t>Use of this keyword:</a:t>
-            </a:r>
-          </a:p>
-          <a:p>
-            <a:r>
-              <a:rPr lang="en-US" dirty="0" smtClean="0">
+            <a:pPr marL="0" marR="0" lvl="0" indent="0" algn="l" defTabSz="914400" rtl="0" eaLnBrk="0" fontAlgn="base" latinLnBrk="0" hangingPunct="0">
+              <a:lnSpc>
+                <a:spcPct val="200000"/>
+              </a:lnSpc>
+              <a:spcBef>
+                <a:spcPct val="0"/>
+              </a:spcBef>
+              <a:spcAft>
+                <a:spcPct val="0"/>
+              </a:spcAft>
+              <a:buClrTx/>
+              <a:buSzTx/>
+              <a:buFontTx/>
+              <a:buNone/>
+              <a:tabLst/>
+            </a:pPr>
+            <a:r>
+              <a:rPr kumimoji="0" lang="en-US" altLang="en-US" sz="1800" b="1" i="0" u="none" strike="noStrike" cap="none" normalizeH="0" baseline="0" dirty="0">
+                <a:ln>
+                  <a:noFill/>
+                </a:ln>
                 <a:solidFill>
-                  <a:schemeClr val="accent5"/>
+                  <a:schemeClr val="tx1"/>
                 </a:solidFill>
+                <a:effectLst/>
+                <a:latin typeface="Arial" panose="020B0604020202020204" pitchFamily="34" charset="0"/>
               </a:rPr>
-              <a:t>this</a:t>
-            </a:r>
-            <a:r>
-              <a:rPr lang="en-US" dirty="0" smtClean="0"/>
-              <a:t> keyword </a:t>
-            </a:r>
-            <a:r>
-              <a:rPr lang="en-US" dirty="0"/>
-              <a:t>in Java refers to the current </a:t>
-            </a:r>
-            <a:r>
-              <a:rPr lang="en-US" dirty="0" smtClean="0"/>
-              <a:t>object </a:t>
-            </a:r>
-            <a:r>
-              <a:rPr lang="en-US" dirty="0"/>
-              <a:t>of the class. It is used to refer to the current object's instance variables, methods, and constructors. </a:t>
-            </a:r>
-            <a:endParaRPr lang="en-US" dirty="0" smtClean="0"/>
-          </a:p>
-          <a:p>
-            <a:r>
-              <a:rPr lang="en-US" dirty="0" smtClean="0"/>
-              <a:t>It </a:t>
-            </a:r>
-            <a:r>
-              <a:rPr lang="en-US" dirty="0"/>
-              <a:t>is commonly used in constructors to distinguish between instance variables and parameters when they have the same </a:t>
-            </a:r>
-            <a:r>
-              <a:rPr lang="en-US" dirty="0" smtClean="0"/>
-              <a:t>name.</a:t>
-            </a:r>
-            <a:endParaRPr lang="en-US" dirty="0"/>
+              <a:t>Initializing Objects in Java</a:t>
+            </a:r>
+          </a:p>
+          <a:p>
+            <a:pPr marL="342900" marR="0" lvl="0" indent="-342900" algn="l" defTabSz="914400" rtl="0" eaLnBrk="0" fontAlgn="base" latinLnBrk="0" hangingPunct="0">
+              <a:lnSpc>
+                <a:spcPct val="200000"/>
+              </a:lnSpc>
+              <a:spcBef>
+                <a:spcPct val="0"/>
+              </a:spcBef>
+              <a:spcAft>
+                <a:spcPct val="0"/>
+              </a:spcAft>
+              <a:buClrTx/>
+              <a:buSzTx/>
+              <a:buAutoNum type="arabicPeriod"/>
+              <a:tabLst/>
+            </a:pPr>
+            <a:r>
+              <a:rPr kumimoji="0" lang="en-US" altLang="en-US" sz="1800" b="0" i="0" u="none" strike="noStrike" cap="none" normalizeH="0" baseline="0" dirty="0">
+                <a:ln>
+                  <a:noFill/>
+                </a:ln>
+                <a:solidFill>
+                  <a:schemeClr val="tx1"/>
+                </a:solidFill>
+                <a:effectLst/>
+                <a:latin typeface="Arial" panose="020B0604020202020204" pitchFamily="34" charset="0"/>
+              </a:rPr>
+              <a:t>By reference </a:t>
+            </a:r>
+          </a:p>
+          <a:p>
+            <a:pPr marL="0" marR="0" lvl="0" indent="0" algn="l" defTabSz="914400" rtl="0" eaLnBrk="0" fontAlgn="base" latinLnBrk="0" hangingPunct="0">
+              <a:lnSpc>
+                <a:spcPct val="200000"/>
+              </a:lnSpc>
+              <a:spcBef>
+                <a:spcPct val="0"/>
+              </a:spcBef>
+              <a:spcAft>
+                <a:spcPct val="0"/>
+              </a:spcAft>
+              <a:buClrTx/>
+              <a:buSzTx/>
+              <a:buFontTx/>
+              <a:buNone/>
+              <a:tabLst/>
+            </a:pPr>
+            <a:endParaRPr kumimoji="0" lang="en-US" altLang="en-US" sz="1800" b="0" i="0" u="none" strike="noStrike" cap="none" normalizeH="0" baseline="0" dirty="0">
+              <a:ln>
+                <a:noFill/>
+              </a:ln>
+              <a:solidFill>
+                <a:schemeClr val="tx1"/>
+              </a:solidFill>
+              <a:effectLst/>
+              <a:latin typeface="Arial" panose="020B0604020202020204" pitchFamily="34" charset="0"/>
+            </a:endParaRPr>
           </a:p>
         </p:txBody>
       </p:sp>
       <p:pic>
         <p:nvPicPr>
-          <p:cNvPr id="4" name="Picture 3"/>
+          <p:cNvPr id="7" name="Picture 6">
+            <a:extLst>
+              <a:ext uri="{FF2B5EF4-FFF2-40B4-BE49-F238E27FC236}">
+                <a16:creationId xmlns:a16="http://schemas.microsoft.com/office/drawing/2014/main" id="{C3EE4A3F-12E3-E698-1316-F802DF6DDF95}"/>
+              </a:ext>
+            </a:extLst>
+          </p:cNvPr>
           <p:cNvPicPr>
             <a:picLocks noChangeAspect="1"/>
           </p:cNvPicPr>
@@ -7737,14 +8587,15 @@
         </p:nvPicPr>
         <p:blipFill>
           <a:blip r:embed="rId2"/>
+          <a:srcRect r="18387"/>
           <a:stretch>
             <a:fillRect/>
           </a:stretch>
         </p:blipFill>
         <p:spPr>
           <a:xfrm>
-            <a:off x="4603357" y="1378420"/>
-            <a:ext cx="7283842" cy="4495907"/>
+            <a:off x="5720050" y="1574656"/>
+            <a:ext cx="6008977" cy="4429125"/>
           </a:xfrm>
           <a:prstGeom prst="rect">
             <a:avLst/>
@@ -7754,7 +8605,7 @@
     </p:spTree>
     <p:extLst>
       <p:ext uri="{BB962C8B-B14F-4D97-AF65-F5344CB8AC3E}">
-        <p14:creationId xmlns:p14="http://schemas.microsoft.com/office/powerpoint/2010/main" val="3142178466"/>
+        <p14:creationId xmlns:p14="http://schemas.microsoft.com/office/powerpoint/2010/main" val="3877380197"/>
       </p:ext>
     </p:extLst>
   </p:cSld>
